--- a/Figures/Caste_transitions/Plots/Phylogeny_caste_discrete_transitions.pptx
+++ b/Figures/Caste_transitions/Plots/Phylogeny_caste_discrete_transitions.pptx
@@ -7,6 +7,7 @@
   <p:sldIdLst>
     <p:sldId id="263" r:id="rId2"/>
     <p:sldId id="264" r:id="rId3"/>
+    <p:sldId id="265" r:id="rId4"/>
   </p:sldIdLst>
   <p:sldSz cx="12192000" cy="6858000"/>
   <p:notesSz cx="6858000" cy="9144000"/>
@@ -105,6 +106,11 @@
       </a:defRPr>
     </a:lvl9pPr>
   </p:defaultTextStyle>
+  <p:extLst>
+    <p:ext uri="{EFAFB233-063F-42B5-8137-9DF3F51BA10A}">
+      <p15:sldGuideLst xmlns:p15="http://schemas.microsoft.com/office/powerpoint/2012/main"/>
+    </p:ext>
+  </p:extLst>
 </p:presentation>
 </file>
 
@@ -257,7 +263,7 @@
           <a:p>
             <a:fld id="{9775E9E0-6121-DF46-AC5C-728E7192BE22}" type="datetimeFigureOut">
               <a:rPr lang="en-US" smtClean="0"/>
-              <a:t>3/7/24</a:t>
+              <a:t>5/13/24</a:t>
             </a:fld>
             <a:endParaRPr lang="en-US"/>
           </a:p>
@@ -457,7 +463,7 @@
           <a:p>
             <a:fld id="{9775E9E0-6121-DF46-AC5C-728E7192BE22}" type="datetimeFigureOut">
               <a:rPr lang="en-US" smtClean="0"/>
-              <a:t>3/7/24</a:t>
+              <a:t>5/13/24</a:t>
             </a:fld>
             <a:endParaRPr lang="en-US"/>
           </a:p>
@@ -667,7 +673,7 @@
           <a:p>
             <a:fld id="{9775E9E0-6121-DF46-AC5C-728E7192BE22}" type="datetimeFigureOut">
               <a:rPr lang="en-US" smtClean="0"/>
-              <a:t>3/7/24</a:t>
+              <a:t>5/13/24</a:t>
             </a:fld>
             <a:endParaRPr lang="en-US"/>
           </a:p>
@@ -867,7 +873,7 @@
           <a:p>
             <a:fld id="{9775E9E0-6121-DF46-AC5C-728E7192BE22}" type="datetimeFigureOut">
               <a:rPr lang="en-US" smtClean="0"/>
-              <a:t>3/7/24</a:t>
+              <a:t>5/13/24</a:t>
             </a:fld>
             <a:endParaRPr lang="en-US"/>
           </a:p>
@@ -1143,7 +1149,7 @@
           <a:p>
             <a:fld id="{9775E9E0-6121-DF46-AC5C-728E7192BE22}" type="datetimeFigureOut">
               <a:rPr lang="en-US" smtClean="0"/>
-              <a:t>3/7/24</a:t>
+              <a:t>5/13/24</a:t>
             </a:fld>
             <a:endParaRPr lang="en-US"/>
           </a:p>
@@ -1411,7 +1417,7 @@
           <a:p>
             <a:fld id="{9775E9E0-6121-DF46-AC5C-728E7192BE22}" type="datetimeFigureOut">
               <a:rPr lang="en-US" smtClean="0"/>
-              <a:t>3/7/24</a:t>
+              <a:t>5/13/24</a:t>
             </a:fld>
             <a:endParaRPr lang="en-US"/>
           </a:p>
@@ -1826,7 +1832,7 @@
           <a:p>
             <a:fld id="{9775E9E0-6121-DF46-AC5C-728E7192BE22}" type="datetimeFigureOut">
               <a:rPr lang="en-US" smtClean="0"/>
-              <a:t>3/7/24</a:t>
+              <a:t>5/13/24</a:t>
             </a:fld>
             <a:endParaRPr lang="en-US"/>
           </a:p>
@@ -1968,7 +1974,7 @@
           <a:p>
             <a:fld id="{9775E9E0-6121-DF46-AC5C-728E7192BE22}" type="datetimeFigureOut">
               <a:rPr lang="en-US" smtClean="0"/>
-              <a:t>3/7/24</a:t>
+              <a:t>5/13/24</a:t>
             </a:fld>
             <a:endParaRPr lang="en-US"/>
           </a:p>
@@ -2081,7 +2087,7 @@
           <a:p>
             <a:fld id="{9775E9E0-6121-DF46-AC5C-728E7192BE22}" type="datetimeFigureOut">
               <a:rPr lang="en-US" smtClean="0"/>
-              <a:t>3/7/24</a:t>
+              <a:t>5/13/24</a:t>
             </a:fld>
             <a:endParaRPr lang="en-US"/>
           </a:p>
@@ -2394,7 +2400,7 @@
           <a:p>
             <a:fld id="{9775E9E0-6121-DF46-AC5C-728E7192BE22}" type="datetimeFigureOut">
               <a:rPr lang="en-US" smtClean="0"/>
-              <a:t>3/7/24</a:t>
+              <a:t>5/13/24</a:t>
             </a:fld>
             <a:endParaRPr lang="en-US"/>
           </a:p>
@@ -2683,7 +2689,7 @@
           <a:p>
             <a:fld id="{9775E9E0-6121-DF46-AC5C-728E7192BE22}" type="datetimeFigureOut">
               <a:rPr lang="en-US" smtClean="0"/>
-              <a:t>3/7/24</a:t>
+              <a:t>5/13/24</a:t>
             </a:fld>
             <a:endParaRPr lang="en-US"/>
           </a:p>
@@ -2926,7 +2932,7 @@
           <a:p>
             <a:fld id="{9775E9E0-6121-DF46-AC5C-728E7192BE22}" type="datetimeFigureOut">
               <a:rPr lang="en-US" smtClean="0"/>
-              <a:t>3/7/24</a:t>
+              <a:t>5/13/24</a:t>
             </a:fld>
             <a:endParaRPr lang="en-US"/>
           </a:p>
@@ -5258,7 +5264,7 @@
         </p:blipFill>
         <p:spPr>
           <a:xfrm>
-            <a:off x="3050191" y="1949295"/>
+            <a:off x="3053985" y="1953089"/>
             <a:ext cx="611372" cy="398205"/>
           </a:xfrm>
           <a:prstGeom prst="rect">
@@ -5330,7 +5336,7 @@
         </p:blipFill>
         <p:spPr>
           <a:xfrm>
-            <a:off x="6184011" y="1457381"/>
+            <a:off x="6151737" y="1457381"/>
             <a:ext cx="877190" cy="575894"/>
           </a:xfrm>
           <a:prstGeom prst="rect">
@@ -5561,9 +5567,9 @@
           <p:nvPr/>
         </p:nvSpPr>
         <p:spPr>
-          <a:xfrm rot="18654351">
-            <a:off x="5988608" y="1742480"/>
-            <a:ext cx="1333544" cy="523220"/>
+          <a:xfrm rot="18432378">
+            <a:off x="5884614" y="1739035"/>
+            <a:ext cx="1333544" cy="307777"/>
           </a:xfrm>
           <a:prstGeom prst="rect">
             <a:avLst/>
@@ -5597,14 +5603,94 @@
               <a:t>(big-headed ants)</a:t>
             </a:r>
           </a:p>
-          <a:p>
-            <a:pPr algn="ctr"/>
+        </p:txBody>
+      </p:sp>
+      <p:sp>
+        <p:nvSpPr>
+          <p:cNvPr id="77" name="TextBox 76">
+            <a:extLst>
+              <a:ext uri="{FF2B5EF4-FFF2-40B4-BE49-F238E27FC236}">
+                <a16:creationId xmlns:a16="http://schemas.microsoft.com/office/drawing/2014/main" id="{A2805D02-C544-7E6F-0A15-C12919A070C2}"/>
+              </a:ext>
+            </a:extLst>
+          </p:cNvPr>
+          <p:cNvSpPr txBox="1"/>
+          <p:nvPr/>
+        </p:nvSpPr>
+        <p:spPr>
+          <a:xfrm rot="19319464">
+            <a:off x="6224679" y="2067085"/>
+            <a:ext cx="1333544" cy="307777"/>
+          </a:xfrm>
+          <a:prstGeom prst="rect">
+            <a:avLst/>
+          </a:prstGeom>
+          <a:noFill/>
+        </p:spPr>
+        <p:txBody>
+          <a:bodyPr wrap="square" rtlCol="0">
+            <a:spAutoFit/>
+          </a:bodyPr>
+          <a:lstStyle/>
+          <a:p>
+            <a:r>
+              <a:rPr lang="en-US" sz="700" dirty="0" err="1">
+                <a:latin typeface="Arial" panose="020B0604020202020204" pitchFamily="34" charset="0"/>
+                <a:cs typeface="Arial" panose="020B0604020202020204" pitchFamily="34" charset="0"/>
+              </a:rPr>
+              <a:t>Cephalotes</a:t>
+            </a:r>
             <a:endParaRPr lang="en-US" sz="700" dirty="0">
               <a:latin typeface="Arial" panose="020B0604020202020204" pitchFamily="34" charset="0"/>
               <a:cs typeface="Arial" panose="020B0604020202020204" pitchFamily="34" charset="0"/>
             </a:endParaRPr>
           </a:p>
           <a:p>
+            <a:r>
+              <a:rPr lang="en-US" sz="700" dirty="0">
+                <a:latin typeface="Arial" panose="020B0604020202020204" pitchFamily="34" charset="0"/>
+                <a:cs typeface="Arial" panose="020B0604020202020204" pitchFamily="34" charset="0"/>
+              </a:rPr>
+              <a:t>(turtle ants)</a:t>
+            </a:r>
+          </a:p>
+        </p:txBody>
+      </p:sp>
+      <p:sp>
+        <p:nvSpPr>
+          <p:cNvPr id="79" name="TextBox 78">
+            <a:extLst>
+              <a:ext uri="{FF2B5EF4-FFF2-40B4-BE49-F238E27FC236}">
+                <a16:creationId xmlns:a16="http://schemas.microsoft.com/office/drawing/2014/main" id="{C5E69695-E7CD-3DBA-D270-E592904837EB}"/>
+              </a:ext>
+            </a:extLst>
+          </p:cNvPr>
+          <p:cNvSpPr txBox="1"/>
+          <p:nvPr/>
+        </p:nvSpPr>
+        <p:spPr>
+          <a:xfrm rot="475817">
+            <a:off x="6631770" y="3550518"/>
+            <a:ext cx="1333544" cy="200055"/>
+          </a:xfrm>
+          <a:prstGeom prst="rect">
+            <a:avLst/>
+          </a:prstGeom>
+          <a:noFill/>
+        </p:spPr>
+        <p:txBody>
+          <a:bodyPr wrap="square" rtlCol="0">
+            <a:spAutoFit/>
+          </a:bodyPr>
+          <a:lstStyle/>
+          <a:p>
+            <a:r>
+              <a:rPr lang="en-US" sz="700" dirty="0" err="1">
+                <a:latin typeface="Arial" panose="020B0604020202020204" pitchFamily="34" charset="0"/>
+                <a:cs typeface="Arial" panose="020B0604020202020204" pitchFamily="34" charset="0"/>
+              </a:rPr>
+              <a:t>Temnothorax</a:t>
+            </a:r>
             <a:endParaRPr lang="en-US" sz="700" dirty="0">
               <a:latin typeface="Arial" panose="020B0604020202020204" pitchFamily="34" charset="0"/>
               <a:cs typeface="Arial" panose="020B0604020202020204" pitchFamily="34" charset="0"/>
@@ -5614,10 +5700,10 @@
       </p:sp>
       <p:sp>
         <p:nvSpPr>
-          <p:cNvPr id="77" name="TextBox 76">
-            <a:extLst>
-              <a:ext uri="{FF2B5EF4-FFF2-40B4-BE49-F238E27FC236}">
-                <a16:creationId xmlns:a16="http://schemas.microsoft.com/office/drawing/2014/main" id="{A2805D02-C544-7E6F-0A15-C12919A070C2}"/>
+          <p:cNvPr id="80" name="TextBox 79">
+            <a:extLst>
+              <a:ext uri="{FF2B5EF4-FFF2-40B4-BE49-F238E27FC236}">
+                <a16:creationId xmlns:a16="http://schemas.microsoft.com/office/drawing/2014/main" id="{D7E80C9D-86CC-FA2E-6262-970C3E1B4FB6}"/>
               </a:ext>
             </a:extLst>
           </p:cNvPr>
@@ -5625,9 +5711,9 @@
           <p:nvPr/>
         </p:nvSpPr>
         <p:spPr>
-          <a:xfrm rot="19319464">
-            <a:off x="6203163" y="2063499"/>
-            <a:ext cx="1333544" cy="307777"/>
+          <a:xfrm rot="1165476">
+            <a:off x="6530063" y="3975940"/>
+            <a:ext cx="1333544" cy="200055"/>
           </a:xfrm>
           <a:prstGeom prst="rect">
             <a:avLst/>
@@ -5645,30 +5731,21 @@
                 <a:latin typeface="Arial" panose="020B0604020202020204" pitchFamily="34" charset="0"/>
                 <a:cs typeface="Arial" panose="020B0604020202020204" pitchFamily="34" charset="0"/>
               </a:rPr>
-              <a:t>Cephalotes</a:t>
+              <a:t>Tetramorium</a:t>
             </a:r>
             <a:endParaRPr lang="en-US" sz="700" dirty="0">
               <a:latin typeface="Arial" panose="020B0604020202020204" pitchFamily="34" charset="0"/>
               <a:cs typeface="Arial" panose="020B0604020202020204" pitchFamily="34" charset="0"/>
             </a:endParaRPr>
           </a:p>
-          <a:p>
-            <a:r>
-              <a:rPr lang="en-US" sz="700" dirty="0">
-                <a:latin typeface="Arial" panose="020B0604020202020204" pitchFamily="34" charset="0"/>
-                <a:cs typeface="Arial" panose="020B0604020202020204" pitchFamily="34" charset="0"/>
-              </a:rPr>
-              <a:t>(turtle ants)</a:t>
-            </a:r>
-          </a:p>
-        </p:txBody>
-      </p:sp>
-      <p:sp>
-        <p:nvSpPr>
-          <p:cNvPr id="79" name="TextBox 78">
-            <a:extLst>
-              <a:ext uri="{FF2B5EF4-FFF2-40B4-BE49-F238E27FC236}">
-                <a16:creationId xmlns:a16="http://schemas.microsoft.com/office/drawing/2014/main" id="{C5E69695-E7CD-3DBA-D270-E592904837EB}"/>
+        </p:txBody>
+      </p:sp>
+      <p:sp>
+        <p:nvSpPr>
+          <p:cNvPr id="81" name="TextBox 80">
+            <a:extLst>
+              <a:ext uri="{FF2B5EF4-FFF2-40B4-BE49-F238E27FC236}">
+                <a16:creationId xmlns:a16="http://schemas.microsoft.com/office/drawing/2014/main" id="{6F0E311C-339F-A70A-1048-2E294E38DFDD}"/>
               </a:ext>
             </a:extLst>
           </p:cNvPr>
@@ -5676,9 +5753,9 @@
           <p:nvPr/>
         </p:nvSpPr>
         <p:spPr>
-          <a:xfrm rot="475817">
-            <a:off x="6616594" y="3550518"/>
-            <a:ext cx="1333544" cy="200055"/>
+          <a:xfrm rot="1813928">
+            <a:off x="6403288" y="4192159"/>
+            <a:ext cx="875999" cy="200055"/>
           </a:xfrm>
           <a:prstGeom prst="rect">
             <a:avLst/>
@@ -5696,7 +5773,7 @@
                 <a:latin typeface="Arial" panose="020B0604020202020204" pitchFamily="34" charset="0"/>
                 <a:cs typeface="Arial" panose="020B0604020202020204" pitchFamily="34" charset="0"/>
               </a:rPr>
-              <a:t>Temnothorax</a:t>
+              <a:t>Crematogaster</a:t>
             </a:r>
             <a:endParaRPr lang="en-US" sz="700" dirty="0">
               <a:latin typeface="Arial" panose="020B0604020202020204" pitchFamily="34" charset="0"/>
@@ -5707,10 +5784,10 @@
       </p:sp>
       <p:sp>
         <p:nvSpPr>
-          <p:cNvPr id="80" name="TextBox 79">
-            <a:extLst>
-              <a:ext uri="{FF2B5EF4-FFF2-40B4-BE49-F238E27FC236}">
-                <a16:creationId xmlns:a16="http://schemas.microsoft.com/office/drawing/2014/main" id="{D7E80C9D-86CC-FA2E-6262-970C3E1B4FB6}"/>
+          <p:cNvPr id="82" name="TextBox 81">
+            <a:extLst>
+              <a:ext uri="{FF2B5EF4-FFF2-40B4-BE49-F238E27FC236}">
+                <a16:creationId xmlns:a16="http://schemas.microsoft.com/office/drawing/2014/main" id="{4DCA7426-5F22-0118-C80E-05F7FA94DEE4}"/>
               </a:ext>
             </a:extLst>
           </p:cNvPr>
@@ -5718,8 +5795,8 @@
           <p:nvPr/>
         </p:nvSpPr>
         <p:spPr>
-          <a:xfrm rot="1165476">
-            <a:off x="6514887" y="3964558"/>
+          <a:xfrm rot="2329988">
+            <a:off x="6207117" y="4552823"/>
             <a:ext cx="1333544" cy="200055"/>
           </a:xfrm>
           <a:prstGeom prst="rect">
@@ -5738,7 +5815,7 @@
                 <a:latin typeface="Arial" panose="020B0604020202020204" pitchFamily="34" charset="0"/>
                 <a:cs typeface="Arial" panose="020B0604020202020204" pitchFamily="34" charset="0"/>
               </a:rPr>
-              <a:t>Tetramorium</a:t>
+              <a:t>Acanthomyrmex</a:t>
             </a:r>
             <a:endParaRPr lang="en-US" sz="700" dirty="0">
               <a:latin typeface="Arial" panose="020B0604020202020204" pitchFamily="34" charset="0"/>
@@ -5749,10 +5826,10 @@
       </p:sp>
       <p:sp>
         <p:nvSpPr>
-          <p:cNvPr id="81" name="TextBox 80">
-            <a:extLst>
-              <a:ext uri="{FF2B5EF4-FFF2-40B4-BE49-F238E27FC236}">
-                <a16:creationId xmlns:a16="http://schemas.microsoft.com/office/drawing/2014/main" id="{6F0E311C-339F-A70A-1048-2E294E38DFDD}"/>
+          <p:cNvPr id="83" name="TextBox 82">
+            <a:extLst>
+              <a:ext uri="{FF2B5EF4-FFF2-40B4-BE49-F238E27FC236}">
+                <a16:creationId xmlns:a16="http://schemas.microsoft.com/office/drawing/2014/main" id="{4D29DB1F-EE8B-3AEB-C782-A7207F660EC0}"/>
               </a:ext>
             </a:extLst>
           </p:cNvPr>
@@ -5760,9 +5837,9 @@
           <p:nvPr/>
         </p:nvSpPr>
         <p:spPr>
-          <a:xfrm rot="1729832">
-            <a:off x="6390357" y="4180499"/>
-            <a:ext cx="875999" cy="200055"/>
+          <a:xfrm rot="2633072">
+            <a:off x="6115355" y="4647756"/>
+            <a:ext cx="1333544" cy="200055"/>
           </a:xfrm>
           <a:prstGeom prst="rect">
             <a:avLst/>
@@ -5780,7 +5857,7 @@
                 <a:latin typeface="Arial" panose="020B0604020202020204" pitchFamily="34" charset="0"/>
                 <a:cs typeface="Arial" panose="020B0604020202020204" pitchFamily="34" charset="0"/>
               </a:rPr>
-              <a:t>Crematogaster</a:t>
+              <a:t>Carebara</a:t>
             </a:r>
             <a:endParaRPr lang="en-US" sz="700" dirty="0">
               <a:latin typeface="Arial" panose="020B0604020202020204" pitchFamily="34" charset="0"/>
@@ -5791,10 +5868,10 @@
       </p:sp>
       <p:sp>
         <p:nvSpPr>
-          <p:cNvPr id="82" name="TextBox 81">
-            <a:extLst>
-              <a:ext uri="{FF2B5EF4-FFF2-40B4-BE49-F238E27FC236}">
-                <a16:creationId xmlns:a16="http://schemas.microsoft.com/office/drawing/2014/main" id="{4DCA7426-5F22-0118-C80E-05F7FA94DEE4}"/>
+          <p:cNvPr id="84" name="TextBox 83">
+            <a:extLst>
+              <a:ext uri="{FF2B5EF4-FFF2-40B4-BE49-F238E27FC236}">
+                <a16:creationId xmlns:a16="http://schemas.microsoft.com/office/drawing/2014/main" id="{5BA90B4E-B824-9B94-061C-D9DA2904184B}"/>
               </a:ext>
             </a:extLst>
           </p:cNvPr>
@@ -5802,9 +5879,9 @@
           <p:nvPr/>
         </p:nvSpPr>
         <p:spPr>
-          <a:xfrm rot="2329988">
-            <a:off x="6210911" y="4514883"/>
-            <a:ext cx="1333544" cy="200055"/>
+          <a:xfrm rot="2974828">
+            <a:off x="5958401" y="4754284"/>
+            <a:ext cx="1362018" cy="307777"/>
           </a:xfrm>
           <a:prstGeom prst="rect">
             <a:avLst/>
@@ -5822,7 +5899,61 @@
                 <a:latin typeface="Arial" panose="020B0604020202020204" pitchFamily="34" charset="0"/>
                 <a:cs typeface="Arial" panose="020B0604020202020204" pitchFamily="34" charset="0"/>
               </a:rPr>
-              <a:t>Acanthomyrmex</a:t>
+              <a:t>Solenopsidini</a:t>
+            </a:r>
+            <a:r>
+              <a:rPr lang="en-US" sz="700" dirty="0">
+                <a:latin typeface="Arial" panose="020B0604020202020204" pitchFamily="34" charset="0"/>
+                <a:cs typeface="Arial" panose="020B0604020202020204" pitchFamily="34" charset="0"/>
+              </a:rPr>
+              <a:t> </a:t>
+            </a:r>
+          </a:p>
+          <a:p>
+            <a:r>
+              <a:rPr lang="en-US" sz="700" dirty="0">
+                <a:latin typeface="Arial" panose="020B0604020202020204" pitchFamily="34" charset="0"/>
+                <a:cs typeface="Arial" panose="020B0604020202020204" pitchFamily="34" charset="0"/>
+              </a:rPr>
+              <a:t>(including fire ants</a:t>
+            </a:r>
+          </a:p>
+        </p:txBody>
+      </p:sp>
+      <p:sp>
+        <p:nvSpPr>
+          <p:cNvPr id="85" name="TextBox 84">
+            <a:extLst>
+              <a:ext uri="{FF2B5EF4-FFF2-40B4-BE49-F238E27FC236}">
+                <a16:creationId xmlns:a16="http://schemas.microsoft.com/office/drawing/2014/main" id="{73C67FDF-D811-E6CF-F779-E9ABBCE3EC25}"/>
+              </a:ext>
+            </a:extLst>
+          </p:cNvPr>
+          <p:cNvSpPr txBox="1"/>
+          <p:nvPr/>
+        </p:nvSpPr>
+        <p:spPr>
+          <a:xfrm rot="3704861">
+            <a:off x="5645024" y="5020699"/>
+            <a:ext cx="1333544" cy="200055"/>
+          </a:xfrm>
+          <a:prstGeom prst="rect">
+            <a:avLst/>
+          </a:prstGeom>
+          <a:noFill/>
+        </p:spPr>
+        <p:txBody>
+          <a:bodyPr wrap="square" rtlCol="0">
+            <a:spAutoFit/>
+          </a:bodyPr>
+          <a:lstStyle/>
+          <a:p>
+            <a:r>
+              <a:rPr lang="en-US" sz="700" dirty="0" err="1">
+                <a:latin typeface="Arial" panose="020B0604020202020204" pitchFamily="34" charset="0"/>
+                <a:cs typeface="Arial" panose="020B0604020202020204" pitchFamily="34" charset="0"/>
+              </a:rPr>
+              <a:t>Stenammini</a:t>
             </a:r>
             <a:endParaRPr lang="en-US" sz="700" dirty="0">
               <a:latin typeface="Arial" panose="020B0604020202020204" pitchFamily="34" charset="0"/>
@@ -5833,10 +5964,10 @@
       </p:sp>
       <p:sp>
         <p:nvSpPr>
-          <p:cNvPr id="83" name="TextBox 82">
-            <a:extLst>
-              <a:ext uri="{FF2B5EF4-FFF2-40B4-BE49-F238E27FC236}">
-                <a16:creationId xmlns:a16="http://schemas.microsoft.com/office/drawing/2014/main" id="{4D29DB1F-EE8B-3AEB-C782-A7207F660EC0}"/>
+          <p:cNvPr id="86" name="TextBox 85">
+            <a:extLst>
+              <a:ext uri="{FF2B5EF4-FFF2-40B4-BE49-F238E27FC236}">
+                <a16:creationId xmlns:a16="http://schemas.microsoft.com/office/drawing/2014/main" id="{4848484C-8D64-76DC-C94E-83337DBC0070}"/>
               </a:ext>
             </a:extLst>
           </p:cNvPr>
@@ -5844,8 +5975,8 @@
           <p:nvPr/>
         </p:nvSpPr>
         <p:spPr>
-          <a:xfrm rot="2636768">
-            <a:off x="6107767" y="4628786"/>
+          <a:xfrm rot="4459405">
+            <a:off x="5206383" y="5188943"/>
             <a:ext cx="1333544" cy="200055"/>
           </a:xfrm>
           <a:prstGeom prst="rect">
@@ -5864,7 +5995,7 @@
                 <a:latin typeface="Arial" panose="020B0604020202020204" pitchFamily="34" charset="0"/>
                 <a:cs typeface="Arial" panose="020B0604020202020204" pitchFamily="34" charset="0"/>
               </a:rPr>
-              <a:t>Carebara</a:t>
+              <a:t>Pogonomyrmex</a:t>
             </a:r>
             <a:endParaRPr lang="en-US" sz="700" dirty="0">
               <a:latin typeface="Arial" panose="020B0604020202020204" pitchFamily="34" charset="0"/>
@@ -5875,10 +6006,10 @@
       </p:sp>
       <p:sp>
         <p:nvSpPr>
-          <p:cNvPr id="84" name="TextBox 83">
-            <a:extLst>
-              <a:ext uri="{FF2B5EF4-FFF2-40B4-BE49-F238E27FC236}">
-                <a16:creationId xmlns:a16="http://schemas.microsoft.com/office/drawing/2014/main" id="{5BA90B4E-B824-9B94-061C-D9DA2904184B}"/>
+          <p:cNvPr id="87" name="TextBox 86">
+            <a:extLst>
+              <a:ext uri="{FF2B5EF4-FFF2-40B4-BE49-F238E27FC236}">
+                <a16:creationId xmlns:a16="http://schemas.microsoft.com/office/drawing/2014/main" id="{EB59F093-67FF-9FA2-FF77-2295692BF6E7}"/>
               </a:ext>
             </a:extLst>
           </p:cNvPr>
@@ -5886,9 +6017,9 @@
           <p:nvPr/>
         </p:nvSpPr>
         <p:spPr>
-          <a:xfrm rot="2885251">
-            <a:off x="5965370" y="4728345"/>
-            <a:ext cx="1362018" cy="307777"/>
+          <a:xfrm rot="5135857">
+            <a:off x="4844358" y="5248256"/>
+            <a:ext cx="1333544" cy="200055"/>
           </a:xfrm>
           <a:prstGeom prst="rect">
             <a:avLst/>
@@ -5906,61 +6037,7 @@
                 <a:latin typeface="Arial" panose="020B0604020202020204" pitchFamily="34" charset="0"/>
                 <a:cs typeface="Arial" panose="020B0604020202020204" pitchFamily="34" charset="0"/>
               </a:rPr>
-              <a:t>Solenopsidini</a:t>
-            </a:r>
-            <a:r>
-              <a:rPr lang="en-US" sz="700" dirty="0">
-                <a:latin typeface="Arial" panose="020B0604020202020204" pitchFamily="34" charset="0"/>
-                <a:cs typeface="Arial" panose="020B0604020202020204" pitchFamily="34" charset="0"/>
-              </a:rPr>
-              <a:t> </a:t>
-            </a:r>
-          </a:p>
-          <a:p>
-            <a:r>
-              <a:rPr lang="en-US" sz="700" dirty="0">
-                <a:latin typeface="Arial" panose="020B0604020202020204" pitchFamily="34" charset="0"/>
-                <a:cs typeface="Arial" panose="020B0604020202020204" pitchFamily="34" charset="0"/>
-              </a:rPr>
-              <a:t>(including fire ants</a:t>
-            </a:r>
-          </a:p>
-        </p:txBody>
-      </p:sp>
-      <p:sp>
-        <p:nvSpPr>
-          <p:cNvPr id="85" name="TextBox 84">
-            <a:extLst>
-              <a:ext uri="{FF2B5EF4-FFF2-40B4-BE49-F238E27FC236}">
-                <a16:creationId xmlns:a16="http://schemas.microsoft.com/office/drawing/2014/main" id="{73C67FDF-D811-E6CF-F779-E9ABBCE3EC25}"/>
-              </a:ext>
-            </a:extLst>
-          </p:cNvPr>
-          <p:cNvSpPr txBox="1"/>
-          <p:nvPr/>
-        </p:nvSpPr>
-        <p:spPr>
-          <a:xfrm rot="3567440">
-            <a:off x="5667788" y="4990347"/>
-            <a:ext cx="1333544" cy="200055"/>
-          </a:xfrm>
-          <a:prstGeom prst="rect">
-            <a:avLst/>
-          </a:prstGeom>
-          <a:noFill/>
-        </p:spPr>
-        <p:txBody>
-          <a:bodyPr wrap="square" rtlCol="0">
-            <a:spAutoFit/>
-          </a:bodyPr>
-          <a:lstStyle/>
-          <a:p>
-            <a:r>
-              <a:rPr lang="en-US" sz="700" dirty="0" err="1">
-                <a:latin typeface="Arial" panose="020B0604020202020204" pitchFamily="34" charset="0"/>
-                <a:cs typeface="Arial" panose="020B0604020202020204" pitchFamily="34" charset="0"/>
-              </a:rPr>
-              <a:t>Stenammini</a:t>
+              <a:t>Myrmicini</a:t>
             </a:r>
             <a:endParaRPr lang="en-US" sz="700" dirty="0">
               <a:latin typeface="Arial" panose="020B0604020202020204" pitchFamily="34" charset="0"/>
@@ -5971,10 +6048,10 @@
       </p:sp>
       <p:sp>
         <p:nvSpPr>
-          <p:cNvPr id="86" name="TextBox 85">
-            <a:extLst>
-              <a:ext uri="{FF2B5EF4-FFF2-40B4-BE49-F238E27FC236}">
-                <a16:creationId xmlns:a16="http://schemas.microsoft.com/office/drawing/2014/main" id="{4848484C-8D64-76DC-C94E-83337DBC0070}"/>
+          <p:cNvPr id="88" name="TextBox 87">
+            <a:extLst>
+              <a:ext uri="{FF2B5EF4-FFF2-40B4-BE49-F238E27FC236}">
+                <a16:creationId xmlns:a16="http://schemas.microsoft.com/office/drawing/2014/main" id="{F2D7EB47-9408-E89E-A29F-C971C6F4C397}"/>
               </a:ext>
             </a:extLst>
           </p:cNvPr>
@@ -5982,8 +6059,8 @@
           <p:nvPr/>
         </p:nvSpPr>
         <p:spPr>
-          <a:xfrm rot="4459405">
-            <a:off x="5217765" y="5173767"/>
+          <a:xfrm rot="16477676">
+            <a:off x="4565543" y="5244663"/>
             <a:ext cx="1333544" cy="200055"/>
           </a:xfrm>
           <a:prstGeom prst="rect">
@@ -5997,12 +6074,13 @@
           </a:bodyPr>
           <a:lstStyle/>
           <a:p>
+            <a:pPr algn="r"/>
             <a:r>
               <a:rPr lang="en-US" sz="700" dirty="0" err="1">
                 <a:latin typeface="Arial" panose="020B0604020202020204" pitchFamily="34" charset="0"/>
                 <a:cs typeface="Arial" panose="020B0604020202020204" pitchFamily="34" charset="0"/>
               </a:rPr>
-              <a:t>Pogonomyrmex</a:t>
+              <a:t>Ectatommini</a:t>
             </a:r>
             <a:endParaRPr lang="en-US" sz="700" dirty="0">
               <a:latin typeface="Arial" panose="020B0604020202020204" pitchFamily="34" charset="0"/>
@@ -6013,10 +6091,10 @@
       </p:sp>
       <p:sp>
         <p:nvSpPr>
-          <p:cNvPr id="87" name="TextBox 86">
-            <a:extLst>
-              <a:ext uri="{FF2B5EF4-FFF2-40B4-BE49-F238E27FC236}">
-                <a16:creationId xmlns:a16="http://schemas.microsoft.com/office/drawing/2014/main" id="{EB59F093-67FF-9FA2-FF77-2295692BF6E7}"/>
+          <p:cNvPr id="90" name="TextBox 89">
+            <a:extLst>
+              <a:ext uri="{FF2B5EF4-FFF2-40B4-BE49-F238E27FC236}">
+                <a16:creationId xmlns:a16="http://schemas.microsoft.com/office/drawing/2014/main" id="{B724B3B9-0787-8259-3E5D-D1E4663C51C8}"/>
               </a:ext>
             </a:extLst>
           </p:cNvPr>
@@ -6024,9 +6102,9 @@
           <p:nvPr/>
         </p:nvSpPr>
         <p:spPr>
-          <a:xfrm rot="5135857">
-            <a:off x="4851946" y="5236874"/>
-            <a:ext cx="1333544" cy="200055"/>
+          <a:xfrm rot="17863273">
+            <a:off x="3841241" y="5029557"/>
+            <a:ext cx="1311289" cy="200055"/>
           </a:xfrm>
           <a:prstGeom prst="rect">
             <a:avLst/>
@@ -6039,12 +6117,13 @@
           </a:bodyPr>
           <a:lstStyle/>
           <a:p>
+            <a:pPr algn="r"/>
             <a:r>
               <a:rPr lang="en-US" sz="700" dirty="0" err="1">
                 <a:latin typeface="Arial" panose="020B0604020202020204" pitchFamily="34" charset="0"/>
                 <a:cs typeface="Arial" panose="020B0604020202020204" pitchFamily="34" charset="0"/>
               </a:rPr>
-              <a:t>Myrmicini</a:t>
+              <a:t>Polyrhachis</a:t>
             </a:r>
             <a:endParaRPr lang="en-US" sz="700" dirty="0">
               <a:latin typeface="Arial" panose="020B0604020202020204" pitchFamily="34" charset="0"/>
@@ -6055,10 +6134,10 @@
       </p:sp>
       <p:sp>
         <p:nvSpPr>
-          <p:cNvPr id="88" name="TextBox 87">
-            <a:extLst>
-              <a:ext uri="{FF2B5EF4-FFF2-40B4-BE49-F238E27FC236}">
-                <a16:creationId xmlns:a16="http://schemas.microsoft.com/office/drawing/2014/main" id="{F2D7EB47-9408-E89E-A29F-C971C6F4C397}"/>
+          <p:cNvPr id="91" name="TextBox 90">
+            <a:extLst>
+              <a:ext uri="{FF2B5EF4-FFF2-40B4-BE49-F238E27FC236}">
+                <a16:creationId xmlns:a16="http://schemas.microsoft.com/office/drawing/2014/main" id="{C87CB8F1-2D42-82EC-D3A9-8E623A71E68C}"/>
               </a:ext>
             </a:extLst>
           </p:cNvPr>
@@ -6066,8 +6145,8 @@
           <p:nvPr/>
         </p:nvSpPr>
         <p:spPr>
-          <a:xfrm rot="16477676">
-            <a:off x="4565543" y="5237075"/>
+          <a:xfrm rot="18783662">
+            <a:off x="3417563" y="4745089"/>
             <a:ext cx="1333544" cy="200055"/>
           </a:xfrm>
           <a:prstGeom prst="rect">
@@ -6083,25 +6162,74 @@
           <a:p>
             <a:pPr algn="r"/>
             <a:r>
+              <a:rPr lang="en-US" sz="700" dirty="0">
+                <a:latin typeface="Arial" panose="020B0604020202020204" pitchFamily="34" charset="0"/>
+                <a:cs typeface="Arial" panose="020B0604020202020204" pitchFamily="34" charset="0"/>
+              </a:rPr>
+              <a:t>Formica (wood ants)</a:t>
+            </a:r>
+          </a:p>
+        </p:txBody>
+      </p:sp>
+      <p:sp>
+        <p:nvSpPr>
+          <p:cNvPr id="92" name="TextBox 91">
+            <a:extLst>
+              <a:ext uri="{FF2B5EF4-FFF2-40B4-BE49-F238E27FC236}">
+                <a16:creationId xmlns:a16="http://schemas.microsoft.com/office/drawing/2014/main" id="{10C6AB6F-C11E-DD36-9A55-21093B2D5CCA}"/>
+              </a:ext>
+            </a:extLst>
+          </p:cNvPr>
+          <p:cNvSpPr txBox="1"/>
+          <p:nvPr/>
+        </p:nvSpPr>
+        <p:spPr>
+          <a:xfrm rot="19412798">
+            <a:off x="3175225" y="4438668"/>
+            <a:ext cx="1333544" cy="307777"/>
+          </a:xfrm>
+          <a:prstGeom prst="rect">
+            <a:avLst/>
+          </a:prstGeom>
+          <a:noFill/>
+        </p:spPr>
+        <p:txBody>
+          <a:bodyPr wrap="square" rtlCol="0">
+            <a:spAutoFit/>
+          </a:bodyPr>
+          <a:lstStyle/>
+          <a:p>
+            <a:pPr algn="r"/>
+            <a:r>
               <a:rPr lang="en-US" sz="700" dirty="0" err="1">
                 <a:latin typeface="Arial" panose="020B0604020202020204" pitchFamily="34" charset="0"/>
                 <a:cs typeface="Arial" panose="020B0604020202020204" pitchFamily="34" charset="0"/>
               </a:rPr>
-              <a:t>Ectatommini</a:t>
+              <a:t>Cataglyphis</a:t>
             </a:r>
             <a:endParaRPr lang="en-US" sz="700" dirty="0">
               <a:latin typeface="Arial" panose="020B0604020202020204" pitchFamily="34" charset="0"/>
               <a:cs typeface="Arial" panose="020B0604020202020204" pitchFamily="34" charset="0"/>
             </a:endParaRPr>
           </a:p>
-        </p:txBody>
-      </p:sp>
-      <p:sp>
-        <p:nvSpPr>
-          <p:cNvPr id="90" name="TextBox 89">
-            <a:extLst>
-              <a:ext uri="{FF2B5EF4-FFF2-40B4-BE49-F238E27FC236}">
-                <a16:creationId xmlns:a16="http://schemas.microsoft.com/office/drawing/2014/main" id="{B724B3B9-0787-8259-3E5D-D1E4663C51C8}"/>
+          <a:p>
+            <a:pPr algn="r"/>
+            <a:r>
+              <a:rPr lang="en-US" sz="700" dirty="0">
+                <a:latin typeface="Arial" panose="020B0604020202020204" pitchFamily="34" charset="0"/>
+                <a:cs typeface="Arial" panose="020B0604020202020204" pitchFamily="34" charset="0"/>
+              </a:rPr>
+              <a:t>(desert ants)</a:t>
+            </a:r>
+          </a:p>
+        </p:txBody>
+      </p:sp>
+      <p:sp>
+        <p:nvSpPr>
+          <p:cNvPr id="93" name="TextBox 92">
+            <a:extLst>
+              <a:ext uri="{FF2B5EF4-FFF2-40B4-BE49-F238E27FC236}">
+                <a16:creationId xmlns:a16="http://schemas.microsoft.com/office/drawing/2014/main" id="{49D65B37-11A3-B4B0-EE13-F03C2C8D7ED4}"/>
               </a:ext>
             </a:extLst>
           </p:cNvPr>
@@ -6109,9 +6237,9 @@
           <p:nvPr/>
         </p:nvSpPr>
         <p:spPr>
-          <a:xfrm rot="17863273">
-            <a:off x="3829859" y="5014589"/>
-            <a:ext cx="1311289" cy="200055"/>
+          <a:xfrm rot="19845411">
+            <a:off x="3018652" y="4194111"/>
+            <a:ext cx="1333544" cy="307777"/>
           </a:xfrm>
           <a:prstGeom prst="rect">
             <a:avLst/>
@@ -6130,7 +6258,24 @@
                 <a:latin typeface="Arial" panose="020B0604020202020204" pitchFamily="34" charset="0"/>
                 <a:cs typeface="Arial" panose="020B0604020202020204" pitchFamily="34" charset="0"/>
               </a:rPr>
-              <a:t>Polyrhachis</a:t>
+              <a:t>Lasius</a:t>
+            </a:r>
+            <a:r>
+              <a:rPr lang="en-US" sz="700" dirty="0">
+                <a:latin typeface="Arial" panose="020B0604020202020204" pitchFamily="34" charset="0"/>
+                <a:cs typeface="Arial" panose="020B0604020202020204" pitchFamily="34" charset="0"/>
+              </a:rPr>
+              <a:t> &amp; </a:t>
+            </a:r>
+          </a:p>
+          <a:p>
+            <a:pPr algn="r"/>
+            <a:r>
+              <a:rPr lang="en-US" sz="700" dirty="0" err="1">
+                <a:latin typeface="Arial" panose="020B0604020202020204" pitchFamily="34" charset="0"/>
+                <a:cs typeface="Arial" panose="020B0604020202020204" pitchFamily="34" charset="0"/>
+              </a:rPr>
+              <a:t>Myrmecocystus</a:t>
             </a:r>
             <a:endParaRPr lang="en-US" sz="700" dirty="0">
               <a:latin typeface="Arial" panose="020B0604020202020204" pitchFamily="34" charset="0"/>
@@ -6141,10 +6286,10 @@
       </p:sp>
       <p:sp>
         <p:nvSpPr>
-          <p:cNvPr id="91" name="TextBox 90">
-            <a:extLst>
-              <a:ext uri="{FF2B5EF4-FFF2-40B4-BE49-F238E27FC236}">
-                <a16:creationId xmlns:a16="http://schemas.microsoft.com/office/drawing/2014/main" id="{C87CB8F1-2D42-82EC-D3A9-8E623A71E68C}"/>
+          <p:cNvPr id="94" name="TextBox 93">
+            <a:extLst>
+              <a:ext uri="{FF2B5EF4-FFF2-40B4-BE49-F238E27FC236}">
+                <a16:creationId xmlns:a16="http://schemas.microsoft.com/office/drawing/2014/main" id="{3EACAE12-6546-70F4-7B99-DAF321E07630}"/>
               </a:ext>
             </a:extLst>
           </p:cNvPr>
@@ -6152,8 +6297,8 @@
           <p:nvPr/>
         </p:nvSpPr>
         <p:spPr>
-          <a:xfrm rot="18783662">
-            <a:off x="3421357" y="4726119"/>
+          <a:xfrm rot="20489685">
+            <a:off x="2868149" y="3878004"/>
             <a:ext cx="1333544" cy="200055"/>
           </a:xfrm>
           <a:prstGeom prst="rect">
@@ -6169,74 +6314,25 @@
           <a:p>
             <a:pPr algn="r"/>
             <a:r>
-              <a:rPr lang="en-US" sz="700" dirty="0">
-                <a:latin typeface="Arial" panose="020B0604020202020204" pitchFamily="34" charset="0"/>
-                <a:cs typeface="Arial" panose="020B0604020202020204" pitchFamily="34" charset="0"/>
-              </a:rPr>
-              <a:t>Formica (wood ants)</a:t>
-            </a:r>
-          </a:p>
-        </p:txBody>
-      </p:sp>
-      <p:sp>
-        <p:nvSpPr>
-          <p:cNvPr id="92" name="TextBox 91">
-            <a:extLst>
-              <a:ext uri="{FF2B5EF4-FFF2-40B4-BE49-F238E27FC236}">
-                <a16:creationId xmlns:a16="http://schemas.microsoft.com/office/drawing/2014/main" id="{10C6AB6F-C11E-DD36-9A55-21093B2D5CCA}"/>
-              </a:ext>
-            </a:extLst>
-          </p:cNvPr>
-          <p:cNvSpPr txBox="1"/>
-          <p:nvPr/>
-        </p:nvSpPr>
-        <p:spPr>
-          <a:xfrm rot="19532856">
-            <a:off x="3175225" y="4434874"/>
-            <a:ext cx="1333544" cy="307777"/>
-          </a:xfrm>
-          <a:prstGeom prst="rect">
-            <a:avLst/>
-          </a:prstGeom>
-          <a:noFill/>
-        </p:spPr>
-        <p:txBody>
-          <a:bodyPr wrap="square" rtlCol="0">
-            <a:spAutoFit/>
-          </a:bodyPr>
-          <a:lstStyle/>
-          <a:p>
-            <a:pPr algn="r"/>
-            <a:r>
               <a:rPr lang="en-US" sz="700" dirty="0" err="1">
                 <a:latin typeface="Arial" panose="020B0604020202020204" pitchFamily="34" charset="0"/>
                 <a:cs typeface="Arial" panose="020B0604020202020204" pitchFamily="34" charset="0"/>
               </a:rPr>
-              <a:t>Cataglyphis</a:t>
+              <a:t>Brachymyrmex</a:t>
             </a:r>
             <a:endParaRPr lang="en-US" sz="700" dirty="0">
               <a:latin typeface="Arial" panose="020B0604020202020204" pitchFamily="34" charset="0"/>
               <a:cs typeface="Arial" panose="020B0604020202020204" pitchFamily="34" charset="0"/>
             </a:endParaRPr>
           </a:p>
-          <a:p>
-            <a:pPr algn="r"/>
-            <a:r>
-              <a:rPr lang="en-US" sz="700" dirty="0">
-                <a:latin typeface="Arial" panose="020B0604020202020204" pitchFamily="34" charset="0"/>
-                <a:cs typeface="Arial" panose="020B0604020202020204" pitchFamily="34" charset="0"/>
-              </a:rPr>
-              <a:t>(desert ants)</a:t>
-            </a:r>
-          </a:p>
-        </p:txBody>
-      </p:sp>
-      <p:sp>
-        <p:nvSpPr>
-          <p:cNvPr id="93" name="TextBox 92">
-            <a:extLst>
-              <a:ext uri="{FF2B5EF4-FFF2-40B4-BE49-F238E27FC236}">
-                <a16:creationId xmlns:a16="http://schemas.microsoft.com/office/drawing/2014/main" id="{49D65B37-11A3-B4B0-EE13-F03C2C8D7ED4}"/>
+        </p:txBody>
+      </p:sp>
+      <p:sp>
+        <p:nvSpPr>
+          <p:cNvPr id="95" name="TextBox 94">
+            <a:extLst>
+              <a:ext uri="{FF2B5EF4-FFF2-40B4-BE49-F238E27FC236}">
+                <a16:creationId xmlns:a16="http://schemas.microsoft.com/office/drawing/2014/main" id="{6DE714FC-00C5-A572-ECE0-8443BA3D3B83}"/>
               </a:ext>
             </a:extLst>
           </p:cNvPr>
@@ -6244,9 +6340,9 @@
           <p:nvPr/>
         </p:nvSpPr>
         <p:spPr>
-          <a:xfrm rot="19956880">
-            <a:off x="3018444" y="4172387"/>
-            <a:ext cx="1333544" cy="307777"/>
+          <a:xfrm rot="786969">
+            <a:off x="2854811" y="2857316"/>
+            <a:ext cx="1333544" cy="200055"/>
           </a:xfrm>
           <a:prstGeom prst="rect">
             <a:avLst/>
@@ -6265,24 +6361,7 @@
                 <a:latin typeface="Arial" panose="020B0604020202020204" pitchFamily="34" charset="0"/>
                 <a:cs typeface="Arial" panose="020B0604020202020204" pitchFamily="34" charset="0"/>
               </a:rPr>
-              <a:t>Lasius</a:t>
-            </a:r>
-            <a:r>
-              <a:rPr lang="en-US" sz="700" dirty="0">
-                <a:latin typeface="Arial" panose="020B0604020202020204" pitchFamily="34" charset="0"/>
-                <a:cs typeface="Arial" panose="020B0604020202020204" pitchFamily="34" charset="0"/>
-              </a:rPr>
-              <a:t> &amp; </a:t>
-            </a:r>
-          </a:p>
-          <a:p>
-            <a:pPr algn="r"/>
-            <a:r>
-              <a:rPr lang="en-US" sz="700" dirty="0" err="1">
-                <a:latin typeface="Arial" panose="020B0604020202020204" pitchFamily="34" charset="0"/>
-                <a:cs typeface="Arial" panose="020B0604020202020204" pitchFamily="34" charset="0"/>
-              </a:rPr>
-              <a:t>Myrmecocystus</a:t>
+              <a:t>Dolichoderinae</a:t>
             </a:r>
             <a:endParaRPr lang="en-US" sz="700" dirty="0">
               <a:latin typeface="Arial" panose="020B0604020202020204" pitchFamily="34" charset="0"/>
@@ -6293,10 +6372,10 @@
       </p:sp>
       <p:sp>
         <p:nvSpPr>
-          <p:cNvPr id="94" name="TextBox 93">
-            <a:extLst>
-              <a:ext uri="{FF2B5EF4-FFF2-40B4-BE49-F238E27FC236}">
-                <a16:creationId xmlns:a16="http://schemas.microsoft.com/office/drawing/2014/main" id="{3EACAE12-6546-70F4-7B99-DAF321E07630}"/>
+          <p:cNvPr id="96" name="TextBox 95">
+            <a:extLst>
+              <a:ext uri="{FF2B5EF4-FFF2-40B4-BE49-F238E27FC236}">
+                <a16:creationId xmlns:a16="http://schemas.microsoft.com/office/drawing/2014/main" id="{1A33A028-C24A-1ACF-B1A4-B3C5A0E2F748}"/>
               </a:ext>
             </a:extLst>
           </p:cNvPr>
@@ -6304,8 +6383,8 @@
           <p:nvPr/>
         </p:nvSpPr>
         <p:spPr>
-          <a:xfrm rot="20489685">
-            <a:off x="2871735" y="3874418"/>
+          <a:xfrm>
+            <a:off x="2794433" y="3337675"/>
             <a:ext cx="1333544" cy="200055"/>
           </a:xfrm>
           <a:prstGeom prst="rect">
@@ -6325,7 +6404,7 @@
                 <a:latin typeface="Arial" panose="020B0604020202020204" pitchFamily="34" charset="0"/>
                 <a:cs typeface="Arial" panose="020B0604020202020204" pitchFamily="34" charset="0"/>
               </a:rPr>
-              <a:t>Brachymyrmex</a:t>
+              <a:t>Pseudomyrmecini</a:t>
             </a:r>
             <a:endParaRPr lang="en-US" sz="700" dirty="0">
               <a:latin typeface="Arial" panose="020B0604020202020204" pitchFamily="34" charset="0"/>
@@ -6336,10 +6415,10 @@
       </p:sp>
       <p:sp>
         <p:nvSpPr>
-          <p:cNvPr id="95" name="TextBox 94">
-            <a:extLst>
-              <a:ext uri="{FF2B5EF4-FFF2-40B4-BE49-F238E27FC236}">
-                <a16:creationId xmlns:a16="http://schemas.microsoft.com/office/drawing/2014/main" id="{6DE714FC-00C5-A572-ECE0-8443BA3D3B83}"/>
+          <p:cNvPr id="97" name="TextBox 96">
+            <a:extLst>
+              <a:ext uri="{FF2B5EF4-FFF2-40B4-BE49-F238E27FC236}">
+                <a16:creationId xmlns:a16="http://schemas.microsoft.com/office/drawing/2014/main" id="{D122615B-EC0C-62C1-9153-77B222C8EB89}"/>
               </a:ext>
             </a:extLst>
           </p:cNvPr>
@@ -6347,8 +6426,8 @@
           <p:nvPr/>
         </p:nvSpPr>
         <p:spPr>
-          <a:xfrm rot="884470">
-            <a:off x="2858605" y="2826964"/>
+          <a:xfrm rot="1782613">
+            <a:off x="3052805" y="2366806"/>
             <a:ext cx="1333544" cy="200055"/>
           </a:xfrm>
           <a:prstGeom prst="rect">
@@ -6368,7 +6447,53 @@
                 <a:latin typeface="Arial" panose="020B0604020202020204" pitchFamily="34" charset="0"/>
                 <a:cs typeface="Arial" panose="020B0604020202020204" pitchFamily="34" charset="0"/>
               </a:rPr>
-              <a:t>Dolichoderinae</a:t>
+              <a:t>Dorylinae</a:t>
+            </a:r>
+            <a:r>
+              <a:rPr lang="en-US" sz="700" dirty="0">
+                <a:latin typeface="Arial" panose="020B0604020202020204" pitchFamily="34" charset="0"/>
+                <a:cs typeface="Arial" panose="020B0604020202020204" pitchFamily="34" charset="0"/>
+              </a:rPr>
+              <a:t> (army ants)</a:t>
+            </a:r>
+          </a:p>
+        </p:txBody>
+      </p:sp>
+      <p:sp>
+        <p:nvSpPr>
+          <p:cNvPr id="98" name="TextBox 97">
+            <a:extLst>
+              <a:ext uri="{FF2B5EF4-FFF2-40B4-BE49-F238E27FC236}">
+                <a16:creationId xmlns:a16="http://schemas.microsoft.com/office/drawing/2014/main" id="{F8511994-3225-CCF3-D1A8-F4F67F14CF8B}"/>
+              </a:ext>
+            </a:extLst>
+          </p:cNvPr>
+          <p:cNvSpPr txBox="1"/>
+          <p:nvPr/>
+        </p:nvSpPr>
+        <p:spPr>
+          <a:xfrm rot="3421432">
+            <a:off x="3685438" y="1703088"/>
+            <a:ext cx="1333544" cy="200055"/>
+          </a:xfrm>
+          <a:prstGeom prst="rect">
+            <a:avLst/>
+          </a:prstGeom>
+          <a:noFill/>
+        </p:spPr>
+        <p:txBody>
+          <a:bodyPr wrap="square" rtlCol="0">
+            <a:spAutoFit/>
+          </a:bodyPr>
+          <a:lstStyle/>
+          <a:p>
+            <a:pPr algn="r"/>
+            <a:r>
+              <a:rPr lang="en-US" sz="700" dirty="0" err="1">
+                <a:latin typeface="Arial" panose="020B0604020202020204" pitchFamily="34" charset="0"/>
+                <a:cs typeface="Arial" panose="020B0604020202020204" pitchFamily="34" charset="0"/>
+              </a:rPr>
+              <a:t>Ponerinae</a:t>
             </a:r>
             <a:endParaRPr lang="en-US" sz="700" dirty="0">
               <a:latin typeface="Arial" panose="020B0604020202020204" pitchFamily="34" charset="0"/>
@@ -6379,10 +6504,10 @@
       </p:sp>
       <p:sp>
         <p:nvSpPr>
-          <p:cNvPr id="96" name="TextBox 95">
-            <a:extLst>
-              <a:ext uri="{FF2B5EF4-FFF2-40B4-BE49-F238E27FC236}">
-                <a16:creationId xmlns:a16="http://schemas.microsoft.com/office/drawing/2014/main" id="{1A33A028-C24A-1ACF-B1A4-B3C5A0E2F748}"/>
+          <p:cNvPr id="99" name="TextBox 98">
+            <a:extLst>
+              <a:ext uri="{FF2B5EF4-FFF2-40B4-BE49-F238E27FC236}">
+                <a16:creationId xmlns:a16="http://schemas.microsoft.com/office/drawing/2014/main" id="{3B4BA9FC-8B67-39CB-7912-B15CF4433735}"/>
               </a:ext>
             </a:extLst>
           </p:cNvPr>
@@ -6390,8 +6515,8 @@
           <p:nvPr/>
         </p:nvSpPr>
         <p:spPr>
-          <a:xfrm>
-            <a:off x="2798227" y="3326293"/>
+          <a:xfrm rot="4797691">
+            <a:off x="4386483" y="1435259"/>
             <a:ext cx="1333544" cy="200055"/>
           </a:xfrm>
           <a:prstGeom prst="rect">
@@ -6411,7 +6536,7 @@
                 <a:latin typeface="Arial" panose="020B0604020202020204" pitchFamily="34" charset="0"/>
                 <a:cs typeface="Arial" panose="020B0604020202020204" pitchFamily="34" charset="0"/>
               </a:rPr>
-              <a:t>Pseudomyrmecini</a:t>
+              <a:t>Amblyoponini</a:t>
             </a:r>
             <a:endParaRPr lang="en-US" sz="700" dirty="0">
               <a:latin typeface="Arial" panose="020B0604020202020204" pitchFamily="34" charset="0"/>
@@ -6422,10 +6547,10 @@
       </p:sp>
       <p:sp>
         <p:nvSpPr>
-          <p:cNvPr id="97" name="TextBox 96">
-            <a:extLst>
-              <a:ext uri="{FF2B5EF4-FFF2-40B4-BE49-F238E27FC236}">
-                <a16:creationId xmlns:a16="http://schemas.microsoft.com/office/drawing/2014/main" id="{D122615B-EC0C-62C1-9153-77B222C8EB89}"/>
+          <p:cNvPr id="102" name="TextBox 101">
+            <a:extLst>
+              <a:ext uri="{FF2B5EF4-FFF2-40B4-BE49-F238E27FC236}">
+                <a16:creationId xmlns:a16="http://schemas.microsoft.com/office/drawing/2014/main" id="{D34FBC95-BEFF-4E5C-6B58-C1F87BC560D8}"/>
               </a:ext>
             </a:extLst>
           </p:cNvPr>
@@ -6433,8 +6558,8 @@
           <p:nvPr/>
         </p:nvSpPr>
         <p:spPr>
-          <a:xfrm rot="2050137">
-            <a:off x="3088349" y="2316625"/>
+          <a:xfrm rot="20851492">
+            <a:off x="2823475" y="3704003"/>
             <a:ext cx="1333544" cy="200055"/>
           </a:xfrm>
           <a:prstGeom prst="rect">
@@ -6454,53 +6579,7 @@
                 <a:latin typeface="Arial" panose="020B0604020202020204" pitchFamily="34" charset="0"/>
                 <a:cs typeface="Arial" panose="020B0604020202020204" pitchFamily="34" charset="0"/>
               </a:rPr>
-              <a:t>Dorylinae</a:t>
-            </a:r>
-            <a:r>
-              <a:rPr lang="en-US" sz="700" dirty="0">
-                <a:latin typeface="Arial" panose="020B0604020202020204" pitchFamily="34" charset="0"/>
-                <a:cs typeface="Arial" panose="020B0604020202020204" pitchFamily="34" charset="0"/>
-              </a:rPr>
-              <a:t> (army ants)</a:t>
-            </a:r>
-          </a:p>
-        </p:txBody>
-      </p:sp>
-      <p:sp>
-        <p:nvSpPr>
-          <p:cNvPr id="98" name="TextBox 97">
-            <a:extLst>
-              <a:ext uri="{FF2B5EF4-FFF2-40B4-BE49-F238E27FC236}">
-                <a16:creationId xmlns:a16="http://schemas.microsoft.com/office/drawing/2014/main" id="{F8511994-3225-CCF3-D1A8-F4F67F14CF8B}"/>
-              </a:ext>
-            </a:extLst>
-          </p:cNvPr>
-          <p:cNvSpPr txBox="1"/>
-          <p:nvPr/>
-        </p:nvSpPr>
-        <p:spPr>
-          <a:xfrm rot="3421432">
-            <a:off x="3685438" y="1703088"/>
-            <a:ext cx="1333544" cy="200055"/>
-          </a:xfrm>
-          <a:prstGeom prst="rect">
-            <a:avLst/>
-          </a:prstGeom>
-          <a:noFill/>
-        </p:spPr>
-        <p:txBody>
-          <a:bodyPr wrap="square" rtlCol="0">
-            <a:spAutoFit/>
-          </a:bodyPr>
-          <a:lstStyle/>
-          <a:p>
-            <a:pPr algn="r"/>
-            <a:r>
-              <a:rPr lang="en-US" sz="700" dirty="0" err="1">
-                <a:latin typeface="Arial" panose="020B0604020202020204" pitchFamily="34" charset="0"/>
-                <a:cs typeface="Arial" panose="020B0604020202020204" pitchFamily="34" charset="0"/>
-              </a:rPr>
-              <a:t>Ponerinae</a:t>
+              <a:t>Myrmeciini</a:t>
             </a:r>
             <a:endParaRPr lang="en-US" sz="700" dirty="0">
               <a:latin typeface="Arial" panose="020B0604020202020204" pitchFamily="34" charset="0"/>
@@ -6511,10 +6590,10 @@
       </p:sp>
       <p:sp>
         <p:nvSpPr>
-          <p:cNvPr id="99" name="TextBox 98">
-            <a:extLst>
-              <a:ext uri="{FF2B5EF4-FFF2-40B4-BE49-F238E27FC236}">
-                <a16:creationId xmlns:a16="http://schemas.microsoft.com/office/drawing/2014/main" id="{3B4BA9FC-8B67-39CB-7912-B15CF4433735}"/>
+          <p:cNvPr id="78" name="TextBox 77">
+            <a:extLst>
+              <a:ext uri="{FF2B5EF4-FFF2-40B4-BE49-F238E27FC236}">
+                <a16:creationId xmlns:a16="http://schemas.microsoft.com/office/drawing/2014/main" id="{8B1D251D-6017-28AC-4FCE-AE681C9F0F98}"/>
               </a:ext>
             </a:extLst>
           </p:cNvPr>
@@ -6522,9 +6601,9 @@
           <p:nvPr/>
         </p:nvSpPr>
         <p:spPr>
-          <a:xfrm rot="4797691">
-            <a:off x="4386483" y="1435259"/>
-            <a:ext cx="1333544" cy="200055"/>
+          <a:xfrm rot="20577602">
+            <a:off x="6569094" y="2688690"/>
+            <a:ext cx="1333544" cy="415498"/>
           </a:xfrm>
           <a:prstGeom prst="rect">
             <a:avLst/>
@@ -6537,13 +6616,75 @@
           </a:bodyPr>
           <a:lstStyle/>
           <a:p>
-            <a:pPr algn="r"/>
+            <a:r>
+              <a:rPr lang="en-US" sz="700" dirty="0">
+                <a:latin typeface="Arial" panose="020B0604020202020204" pitchFamily="34" charset="0"/>
+                <a:cs typeface="Arial" panose="020B0604020202020204" pitchFamily="34" charset="0"/>
+              </a:rPr>
+              <a:t>Fungus-growing</a:t>
+            </a:r>
+          </a:p>
+          <a:p>
+            <a:r>
+              <a:rPr lang="en-US" sz="700" dirty="0">
+                <a:latin typeface="Arial" panose="020B0604020202020204" pitchFamily="34" charset="0"/>
+                <a:cs typeface="Arial" panose="020B0604020202020204" pitchFamily="34" charset="0"/>
+              </a:rPr>
+              <a:t>ants (including Atta &amp;</a:t>
+            </a:r>
+          </a:p>
+          <a:p>
             <a:r>
               <a:rPr lang="en-US" sz="700" dirty="0" err="1">
                 <a:latin typeface="Arial" panose="020B0604020202020204" pitchFamily="34" charset="0"/>
                 <a:cs typeface="Arial" panose="020B0604020202020204" pitchFamily="34" charset="0"/>
               </a:rPr>
-              <a:t>Amblyoponini</a:t>
+              <a:t>Acromyrmex</a:t>
+            </a:r>
+            <a:r>
+              <a:rPr lang="en-US" sz="700" dirty="0">
+                <a:latin typeface="Arial" panose="020B0604020202020204" pitchFamily="34" charset="0"/>
+                <a:cs typeface="Arial" panose="020B0604020202020204" pitchFamily="34" charset="0"/>
+              </a:rPr>
+              <a:t>)</a:t>
+            </a:r>
+          </a:p>
+        </p:txBody>
+      </p:sp>
+      <p:sp>
+        <p:nvSpPr>
+          <p:cNvPr id="104" name="TextBox 103">
+            <a:extLst>
+              <a:ext uri="{FF2B5EF4-FFF2-40B4-BE49-F238E27FC236}">
+                <a16:creationId xmlns:a16="http://schemas.microsoft.com/office/drawing/2014/main" id="{14441BBE-E804-2931-AC39-6579D08B2CAC}"/>
+              </a:ext>
+            </a:extLst>
+          </p:cNvPr>
+          <p:cNvSpPr txBox="1"/>
+          <p:nvPr/>
+        </p:nvSpPr>
+        <p:spPr>
+          <a:xfrm rot="19718783">
+            <a:off x="6354205" y="2309304"/>
+            <a:ext cx="1333544" cy="200055"/>
+          </a:xfrm>
+          <a:prstGeom prst="rect">
+            <a:avLst/>
+          </a:prstGeom>
+          <a:noFill/>
+        </p:spPr>
+        <p:txBody>
+          <a:bodyPr wrap="square" rtlCol="0">
+            <a:spAutoFit/>
+          </a:bodyPr>
+          <a:lstStyle/>
+          <a:p>
+            <a:r>
+              <a:rPr lang="en-US" sz="700" dirty="0" err="1">
+                <a:latin typeface="Arial" panose="020B0604020202020204" pitchFamily="34" charset="0"/>
+                <a:cs typeface="Arial" panose="020B0604020202020204" pitchFamily="34" charset="0"/>
+              </a:rPr>
+              <a:t>Strumigenys</a:t>
             </a:r>
             <a:endParaRPr lang="en-US" sz="700" dirty="0">
               <a:latin typeface="Arial" panose="020B0604020202020204" pitchFamily="34" charset="0"/>
@@ -6554,10 +6695,10 @@
       </p:sp>
       <p:sp>
         <p:nvSpPr>
-          <p:cNvPr id="102" name="TextBox 101">
-            <a:extLst>
-              <a:ext uri="{FF2B5EF4-FFF2-40B4-BE49-F238E27FC236}">
-                <a16:creationId xmlns:a16="http://schemas.microsoft.com/office/drawing/2014/main" id="{D34FBC95-BEFF-4E5C-6B58-C1F87BC560D8}"/>
+          <p:cNvPr id="89" name="TextBox 88">
+            <a:extLst>
+              <a:ext uri="{FF2B5EF4-FFF2-40B4-BE49-F238E27FC236}">
+                <a16:creationId xmlns:a16="http://schemas.microsoft.com/office/drawing/2014/main" id="{B9789D3B-BB4B-7296-BB83-A063A3E4B16F}"/>
               </a:ext>
             </a:extLst>
           </p:cNvPr>
@@ -6565,9 +6706,9 @@
           <p:nvPr/>
         </p:nvSpPr>
         <p:spPr>
-          <a:xfrm rot="20837916">
-            <a:off x="2823475" y="3704003"/>
-            <a:ext cx="1333544" cy="200055"/>
+          <a:xfrm rot="17213948">
+            <a:off x="4458761" y="4797439"/>
+            <a:ext cx="885798" cy="523220"/>
           </a:xfrm>
           <a:prstGeom prst="rect">
             <a:avLst/>
@@ -6586,7 +6727,105 @@
                 <a:latin typeface="Arial" panose="020B0604020202020204" pitchFamily="34" charset="0"/>
                 <a:cs typeface="Arial" panose="020B0604020202020204" pitchFamily="34" charset="0"/>
               </a:rPr>
-              <a:t>Myrmeciini</a:t>
+              <a:t>Camponotus</a:t>
+            </a:r>
+            <a:r>
+              <a:rPr lang="en-US" sz="700" dirty="0">
+                <a:latin typeface="Arial" panose="020B0604020202020204" pitchFamily="34" charset="0"/>
+                <a:cs typeface="Arial" panose="020B0604020202020204" pitchFamily="34" charset="0"/>
+              </a:rPr>
+              <a:t> &amp; </a:t>
+            </a:r>
+          </a:p>
+          <a:p>
+            <a:pPr algn="r"/>
+            <a:r>
+              <a:rPr lang="en-US" sz="700" dirty="0" err="1">
+                <a:latin typeface="Arial" panose="020B0604020202020204" pitchFamily="34" charset="0"/>
+                <a:cs typeface="Arial" panose="020B0604020202020204" pitchFamily="34" charset="0"/>
+              </a:rPr>
+              <a:t>Calomyrmex</a:t>
+            </a:r>
+            <a:r>
+              <a:rPr lang="en-US" sz="700" dirty="0">
+                <a:latin typeface="Arial" panose="020B0604020202020204" pitchFamily="34" charset="0"/>
+                <a:cs typeface="Arial" panose="020B0604020202020204" pitchFamily="34" charset="0"/>
+              </a:rPr>
+              <a:t> </a:t>
+            </a:r>
+          </a:p>
+          <a:p>
+            <a:pPr algn="r"/>
+            <a:r>
+              <a:rPr lang="en-US" sz="700" dirty="0">
+                <a:latin typeface="Arial" panose="020B0604020202020204" pitchFamily="34" charset="0"/>
+                <a:cs typeface="Arial" panose="020B0604020202020204" pitchFamily="34" charset="0"/>
+              </a:rPr>
+              <a:t>(including </a:t>
+            </a:r>
+          </a:p>
+          <a:p>
+            <a:pPr algn="r"/>
+            <a:r>
+              <a:rPr lang="en-US" sz="700" dirty="0">
+                <a:latin typeface="Arial" panose="020B0604020202020204" pitchFamily="34" charset="0"/>
+                <a:cs typeface="Arial" panose="020B0604020202020204" pitchFamily="34" charset="0"/>
+              </a:rPr>
+              <a:t>carpenter ants)</a:t>
+            </a:r>
+          </a:p>
+        </p:txBody>
+      </p:sp>
+      <p:sp>
+        <p:nvSpPr>
+          <p:cNvPr id="5" name="TextBox 4">
+            <a:extLst>
+              <a:ext uri="{FF2B5EF4-FFF2-40B4-BE49-F238E27FC236}">
+                <a16:creationId xmlns:a16="http://schemas.microsoft.com/office/drawing/2014/main" id="{53AA86A6-1DB8-6E10-D7E9-E274EC6290C3}"/>
+              </a:ext>
+            </a:extLst>
+          </p:cNvPr>
+          <p:cNvSpPr txBox="1"/>
+          <p:nvPr/>
+        </p:nvSpPr>
+        <p:spPr>
+          <a:xfrm rot="21431965">
+            <a:off x="6635771" y="3143177"/>
+            <a:ext cx="1333544" cy="307777"/>
+          </a:xfrm>
+          <a:prstGeom prst="rect">
+            <a:avLst/>
+          </a:prstGeom>
+          <a:noFill/>
+        </p:spPr>
+        <p:txBody>
+          <a:bodyPr wrap="square" rtlCol="0">
+            <a:spAutoFit/>
+          </a:bodyPr>
+          <a:lstStyle/>
+          <a:p>
+            <a:r>
+              <a:rPr lang="en-US" sz="700" dirty="0" err="1">
+                <a:latin typeface="Arial" panose="020B0604020202020204" pitchFamily="34" charset="0"/>
+                <a:cs typeface="Arial" panose="020B0604020202020204" pitchFamily="34" charset="0"/>
+              </a:rPr>
+              <a:t>Daceton</a:t>
+            </a:r>
+            <a:r>
+              <a:rPr lang="en-US" sz="700" dirty="0">
+                <a:latin typeface="Arial" panose="020B0604020202020204" pitchFamily="34" charset="0"/>
+                <a:cs typeface="Arial" panose="020B0604020202020204" pitchFamily="34" charset="0"/>
+              </a:rPr>
+              <a:t> &amp;</a:t>
+            </a:r>
+          </a:p>
+          <a:p>
+            <a:r>
+              <a:rPr lang="en-US" sz="700" dirty="0" err="1">
+                <a:latin typeface="Arial" panose="020B0604020202020204" pitchFamily="34" charset="0"/>
+                <a:cs typeface="Arial" panose="020B0604020202020204" pitchFamily="34" charset="0"/>
+              </a:rPr>
+              <a:t>Orectognathus</a:t>
             </a:r>
             <a:endParaRPr lang="en-US" sz="700" dirty="0">
               <a:latin typeface="Arial" panose="020B0604020202020204" pitchFamily="34" charset="0"/>
@@ -6595,12 +6834,339 @@
           </a:p>
         </p:txBody>
       </p:sp>
-      <p:sp>
-        <p:nvSpPr>
-          <p:cNvPr id="78" name="TextBox 77">
-            <a:extLst>
-              <a:ext uri="{FF2B5EF4-FFF2-40B4-BE49-F238E27FC236}">
-                <a16:creationId xmlns:a16="http://schemas.microsoft.com/office/drawing/2014/main" id="{8B1D251D-6017-28AC-4FCE-AE681C9F0F98}"/>
+    </p:spTree>
+    <p:extLst>
+      <p:ext uri="{BB962C8B-B14F-4D97-AF65-F5344CB8AC3E}">
+        <p14:creationId xmlns:p14="http://schemas.microsoft.com/office/powerpoint/2010/main" val="1822735777"/>
+      </p:ext>
+    </p:extLst>
+  </p:cSld>
+  <p:clrMapOvr>
+    <a:masterClrMapping/>
+  </p:clrMapOvr>
+</p:sld>
+</file>
+
+<file path=ppt/slides/slide3.xml><?xml version="1.0" encoding="utf-8"?>
+<p:sld xmlns:a="http://schemas.openxmlformats.org/drawingml/2006/main" xmlns:r="http://schemas.openxmlformats.org/officeDocument/2006/relationships" xmlns:p="http://schemas.openxmlformats.org/presentationml/2006/main">
+  <p:cSld>
+    <p:spTree>
+      <p:nvGrpSpPr>
+        <p:cNvPr id="1" name=""/>
+        <p:cNvGrpSpPr/>
+        <p:nvPr/>
+      </p:nvGrpSpPr>
+      <p:grpSpPr>
+        <a:xfrm>
+          <a:off x="0" y="0"/>
+          <a:ext cx="0" cy="0"/>
+          <a:chOff x="0" y="0"/>
+          <a:chExt cx="0" cy="0"/>
+        </a:xfrm>
+      </p:grpSpPr>
+      <p:pic>
+        <p:nvPicPr>
+          <p:cNvPr id="10" name="Picture 9">
+            <a:extLst>
+              <a:ext uri="{FF2B5EF4-FFF2-40B4-BE49-F238E27FC236}">
+                <a16:creationId xmlns:a16="http://schemas.microsoft.com/office/drawing/2014/main" id="{13E67A96-A866-7DB9-5003-5FB11E6223AD}"/>
+              </a:ext>
+            </a:extLst>
+          </p:cNvPr>
+          <p:cNvPicPr>
+            <a:picLocks noChangeAspect="1"/>
+          </p:cNvPicPr>
+          <p:nvPr/>
+        </p:nvPicPr>
+        <p:blipFill rotWithShape="1">
+          <a:blip r:embed="rId2"/>
+          <a:srcRect l="85686" t="45309" r="1049" b="45619"/>
+          <a:stretch/>
+        </p:blipFill>
+        <p:spPr>
+          <a:xfrm>
+            <a:off x="7490057" y="3320263"/>
+            <a:ext cx="1106556" cy="756833"/>
+          </a:xfrm>
+          <a:prstGeom prst="rect">
+            <a:avLst/>
+          </a:prstGeom>
+        </p:spPr>
+      </p:pic>
+      <p:pic>
+        <p:nvPicPr>
+          <p:cNvPr id="8" name="Picture 7">
+            <a:extLst>
+              <a:ext uri="{FF2B5EF4-FFF2-40B4-BE49-F238E27FC236}">
+                <a16:creationId xmlns:a16="http://schemas.microsoft.com/office/drawing/2014/main" id="{58B1CD2D-5F3D-8558-7F9B-09D7BBFB11B2}"/>
+              </a:ext>
+            </a:extLst>
+          </p:cNvPr>
+          <p:cNvPicPr>
+            <a:picLocks noChangeAspect="1"/>
+          </p:cNvPicPr>
+          <p:nvPr/>
+        </p:nvPicPr>
+        <p:blipFill rotWithShape="1">
+          <a:blip r:embed="rId3"/>
+          <a:srcRect l="11140" t="10809" r="10654" b="11036"/>
+          <a:stretch/>
+        </p:blipFill>
+        <p:spPr>
+          <a:xfrm>
+            <a:off x="4047101" y="2088392"/>
+            <a:ext cx="2681814" cy="2680084"/>
+          </a:xfrm>
+          <a:prstGeom prst="rect">
+            <a:avLst/>
+          </a:prstGeom>
+        </p:spPr>
+      </p:pic>
+      <p:pic>
+        <p:nvPicPr>
+          <p:cNvPr id="65" name="Graphic 64">
+            <a:extLst>
+              <a:ext uri="{FF2B5EF4-FFF2-40B4-BE49-F238E27FC236}">
+                <a16:creationId xmlns:a16="http://schemas.microsoft.com/office/drawing/2014/main" id="{00D1629A-0525-5ACC-3635-CE63534B1A1A}"/>
+              </a:ext>
+            </a:extLst>
+          </p:cNvPr>
+          <p:cNvPicPr>
+            <a:picLocks noChangeAspect="1"/>
+          </p:cNvPicPr>
+          <p:nvPr/>
+        </p:nvPicPr>
+        <p:blipFill>
+          <a:blip r:embed="rId4">
+            <a:extLst>
+              <a:ext uri="{96DAC541-7B7A-43D3-8B79-37D633B846F1}">
+                <asvg:svgBlip xmlns:asvg="http://schemas.microsoft.com/office/drawing/2016/SVG/main" r:embed="rId5"/>
+              </a:ext>
+            </a:extLst>
+          </a:blip>
+          <a:stretch>
+            <a:fillRect/>
+          </a:stretch>
+        </p:blipFill>
+        <p:spPr>
+          <a:xfrm>
+            <a:off x="6884251" y="1746945"/>
+            <a:ext cx="764824" cy="522076"/>
+          </a:xfrm>
+          <a:prstGeom prst="rect">
+            <a:avLst/>
+          </a:prstGeom>
+        </p:spPr>
+      </p:pic>
+      <p:pic>
+        <p:nvPicPr>
+          <p:cNvPr id="67" name="Picture 66">
+            <a:extLst>
+              <a:ext uri="{FF2B5EF4-FFF2-40B4-BE49-F238E27FC236}">
+                <a16:creationId xmlns:a16="http://schemas.microsoft.com/office/drawing/2014/main" id="{D84462D1-B8EF-6AB1-2B8F-45B5B1B70274}"/>
+              </a:ext>
+            </a:extLst>
+          </p:cNvPr>
+          <p:cNvPicPr>
+            <a:picLocks noChangeAspect="1"/>
+          </p:cNvPicPr>
+          <p:nvPr/>
+        </p:nvPicPr>
+        <p:blipFill rotWithShape="1">
+          <a:blip r:embed="rId6"/>
+          <a:srcRect r="13638"/>
+          <a:stretch/>
+        </p:blipFill>
+        <p:spPr>
+          <a:xfrm>
+            <a:off x="3019303" y="1988515"/>
+            <a:ext cx="611372" cy="398205"/>
+          </a:xfrm>
+          <a:prstGeom prst="rect">
+            <a:avLst/>
+          </a:prstGeom>
+        </p:spPr>
+      </p:pic>
+      <p:pic>
+        <p:nvPicPr>
+          <p:cNvPr id="68" name="Graphic 67">
+            <a:extLst>
+              <a:ext uri="{FF2B5EF4-FFF2-40B4-BE49-F238E27FC236}">
+                <a16:creationId xmlns:a16="http://schemas.microsoft.com/office/drawing/2014/main" id="{1F2AD169-C9D1-4401-DFDC-797CA63DFC8C}"/>
+              </a:ext>
+            </a:extLst>
+          </p:cNvPr>
+          <p:cNvPicPr>
+            <a:picLocks noChangeAspect="1"/>
+          </p:cNvPicPr>
+          <p:nvPr/>
+        </p:nvPicPr>
+        <p:blipFill>
+          <a:blip r:embed="rId7">
+            <a:extLst>
+              <a:ext uri="{96DAC541-7B7A-43D3-8B79-37D633B846F1}">
+                <asvg:svgBlip xmlns:asvg="http://schemas.microsoft.com/office/drawing/2016/SVG/main" r:embed="rId8"/>
+              </a:ext>
+            </a:extLst>
+          </a:blip>
+          <a:stretch>
+            <a:fillRect/>
+          </a:stretch>
+        </p:blipFill>
+        <p:spPr>
+          <a:xfrm>
+            <a:off x="3954859" y="1515917"/>
+            <a:ext cx="728577" cy="484663"/>
+          </a:xfrm>
+          <a:prstGeom prst="rect">
+            <a:avLst/>
+          </a:prstGeom>
+        </p:spPr>
+      </p:pic>
+      <p:pic>
+        <p:nvPicPr>
+          <p:cNvPr id="71" name="Graphic 70">
+            <a:extLst>
+              <a:ext uri="{FF2B5EF4-FFF2-40B4-BE49-F238E27FC236}">
+                <a16:creationId xmlns:a16="http://schemas.microsoft.com/office/drawing/2014/main" id="{1D5D319B-8F2A-A0D0-DFE0-9D945307189A}"/>
+              </a:ext>
+            </a:extLst>
+          </p:cNvPr>
+          <p:cNvPicPr>
+            <a:picLocks noChangeAspect="1"/>
+          </p:cNvPicPr>
+          <p:nvPr/>
+        </p:nvPicPr>
+        <p:blipFill>
+          <a:blip r:embed="rId9">
+            <a:extLst>
+              <a:ext uri="{96DAC541-7B7A-43D3-8B79-37D633B846F1}">
+                <asvg:svgBlip xmlns:asvg="http://schemas.microsoft.com/office/drawing/2016/SVG/main" r:embed="rId10"/>
+              </a:ext>
+            </a:extLst>
+          </a:blip>
+          <a:stretch>
+            <a:fillRect/>
+          </a:stretch>
+        </p:blipFill>
+        <p:spPr>
+          <a:xfrm flipH="1">
+            <a:off x="4440568" y="5205397"/>
+            <a:ext cx="671469" cy="469897"/>
+          </a:xfrm>
+          <a:prstGeom prst="rect">
+            <a:avLst/>
+          </a:prstGeom>
+        </p:spPr>
+      </p:pic>
+      <p:pic>
+        <p:nvPicPr>
+          <p:cNvPr id="72" name="Picture 71">
+            <a:extLst>
+              <a:ext uri="{FF2B5EF4-FFF2-40B4-BE49-F238E27FC236}">
+                <a16:creationId xmlns:a16="http://schemas.microsoft.com/office/drawing/2014/main" id="{CB08772B-C169-0A37-446A-D4E333D45975}"/>
+              </a:ext>
+            </a:extLst>
+          </p:cNvPr>
+          <p:cNvPicPr>
+            <a:picLocks noChangeAspect="1"/>
+          </p:cNvPicPr>
+          <p:nvPr/>
+        </p:nvPicPr>
+        <p:blipFill>
+          <a:blip r:embed="rId11"/>
+          <a:stretch>
+            <a:fillRect/>
+          </a:stretch>
+        </p:blipFill>
+        <p:spPr>
+          <a:xfrm>
+            <a:off x="5453690" y="5254406"/>
+            <a:ext cx="912934" cy="513525"/>
+          </a:xfrm>
+          <a:prstGeom prst="rect">
+            <a:avLst/>
+          </a:prstGeom>
+        </p:spPr>
+      </p:pic>
+      <p:pic>
+        <p:nvPicPr>
+          <p:cNvPr id="73" name="Graphic 72">
+            <a:extLst>
+              <a:ext uri="{FF2B5EF4-FFF2-40B4-BE49-F238E27FC236}">
+                <a16:creationId xmlns:a16="http://schemas.microsoft.com/office/drawing/2014/main" id="{1F6A6B67-B5BA-006B-4C2D-27C7A9161D1E}"/>
+              </a:ext>
+            </a:extLst>
+          </p:cNvPr>
+          <p:cNvPicPr>
+            <a:picLocks noChangeAspect="1"/>
+          </p:cNvPicPr>
+          <p:nvPr/>
+        </p:nvPicPr>
+        <p:blipFill>
+          <a:blip r:embed="rId12">
+            <a:extLst>
+              <a:ext uri="{96DAC541-7B7A-43D3-8B79-37D633B846F1}">
+                <asvg:svgBlip xmlns:asvg="http://schemas.microsoft.com/office/drawing/2016/SVG/main" r:embed="rId13"/>
+              </a:ext>
+            </a:extLst>
+          </a:blip>
+          <a:stretch>
+            <a:fillRect/>
+          </a:stretch>
+        </p:blipFill>
+        <p:spPr>
+          <a:xfrm>
+            <a:off x="6985569" y="4335661"/>
+            <a:ext cx="764824" cy="548124"/>
+          </a:xfrm>
+          <a:prstGeom prst="rect">
+            <a:avLst/>
+          </a:prstGeom>
+        </p:spPr>
+      </p:pic>
+      <p:pic>
+        <p:nvPicPr>
+          <p:cNvPr id="75" name="Graphic 74">
+            <a:extLst>
+              <a:ext uri="{FF2B5EF4-FFF2-40B4-BE49-F238E27FC236}">
+                <a16:creationId xmlns:a16="http://schemas.microsoft.com/office/drawing/2014/main" id="{B72DEDC7-B852-2B01-6952-11F59C78765A}"/>
+              </a:ext>
+            </a:extLst>
+          </p:cNvPr>
+          <p:cNvPicPr>
+            <a:picLocks noChangeAspect="1"/>
+          </p:cNvPicPr>
+          <p:nvPr/>
+        </p:nvPicPr>
+        <p:blipFill>
+          <a:blip r:embed="rId14">
+            <a:extLst>
+              <a:ext uri="{96DAC541-7B7A-43D3-8B79-37D633B846F1}">
+                <asvg:svgBlip xmlns:asvg="http://schemas.microsoft.com/office/drawing/2016/SVG/main" r:embed="rId15"/>
+              </a:ext>
+            </a:extLst>
+          </a:blip>
+          <a:stretch>
+            <a:fillRect/>
+          </a:stretch>
+        </p:blipFill>
+        <p:spPr>
+          <a:xfrm rot="167338">
+            <a:off x="3396820" y="4857903"/>
+            <a:ext cx="854619" cy="568508"/>
+          </a:xfrm>
+          <a:prstGeom prst="rect">
+            <a:avLst/>
+          </a:prstGeom>
+        </p:spPr>
+      </p:pic>
+      <p:sp>
+        <p:nvSpPr>
+          <p:cNvPr id="76" name="TextBox 75">
+            <a:extLst>
+              <a:ext uri="{FF2B5EF4-FFF2-40B4-BE49-F238E27FC236}">
+                <a16:creationId xmlns:a16="http://schemas.microsoft.com/office/drawing/2014/main" id="{FAB237B6-C5CD-5108-34F0-69321B4A2EDA}"/>
               </a:ext>
             </a:extLst>
           </p:cNvPr>
@@ -6608,9 +7174,9 @@
           <p:nvPr/>
         </p:nvSpPr>
         <p:spPr>
-          <a:xfrm rot="20577602">
-            <a:off x="6553918" y="2681102"/>
-            <a:ext cx="1333544" cy="415498"/>
+          <a:xfrm rot="18432378">
+            <a:off x="5884614" y="1739035"/>
+            <a:ext cx="1333544" cy="307777"/>
           </a:xfrm>
           <a:prstGeom prst="rect">
             <a:avLst/>
@@ -6624,88 +7190,34 @@
           <a:lstStyle/>
           <a:p>
             <a:r>
-              <a:rPr lang="en-US" sz="700" dirty="0">
-                <a:latin typeface="Arial" panose="020B0604020202020204" pitchFamily="34" charset="0"/>
-                <a:cs typeface="Arial" panose="020B0604020202020204" pitchFamily="34" charset="0"/>
-              </a:rPr>
-              <a:t>Fungus-growing</a:t>
-            </a:r>
-          </a:p>
-          <a:p>
-            <a:r>
-              <a:rPr lang="en-US" sz="700" dirty="0">
-                <a:latin typeface="Arial" panose="020B0604020202020204" pitchFamily="34" charset="0"/>
-                <a:cs typeface="Arial" panose="020B0604020202020204" pitchFamily="34" charset="0"/>
-              </a:rPr>
-              <a:t>ants (including Atta &amp;</a:t>
-            </a:r>
-          </a:p>
-          <a:p>
-            <a:r>
               <a:rPr lang="en-US" sz="700" dirty="0" err="1">
                 <a:latin typeface="Arial" panose="020B0604020202020204" pitchFamily="34" charset="0"/>
                 <a:cs typeface="Arial" panose="020B0604020202020204" pitchFamily="34" charset="0"/>
               </a:rPr>
-              <a:t>Acromyrmex</a:t>
-            </a:r>
-            <a:r>
-              <a:rPr lang="en-US" sz="700" dirty="0">
-                <a:latin typeface="Arial" panose="020B0604020202020204" pitchFamily="34" charset="0"/>
-                <a:cs typeface="Arial" panose="020B0604020202020204" pitchFamily="34" charset="0"/>
-              </a:rPr>
-              <a:t>)</a:t>
-            </a:r>
-          </a:p>
-        </p:txBody>
-      </p:sp>
-      <p:sp>
-        <p:nvSpPr>
-          <p:cNvPr id="104" name="TextBox 103">
-            <a:extLst>
-              <a:ext uri="{FF2B5EF4-FFF2-40B4-BE49-F238E27FC236}">
-                <a16:creationId xmlns:a16="http://schemas.microsoft.com/office/drawing/2014/main" id="{14441BBE-E804-2931-AC39-6579D08B2CAC}"/>
-              </a:ext>
-            </a:extLst>
-          </p:cNvPr>
-          <p:cNvSpPr txBox="1"/>
-          <p:nvPr/>
-        </p:nvSpPr>
-        <p:spPr>
-          <a:xfrm rot="19718783">
-            <a:off x="6350619" y="2309304"/>
-            <a:ext cx="1333544" cy="200055"/>
-          </a:xfrm>
-          <a:prstGeom prst="rect">
-            <a:avLst/>
-          </a:prstGeom>
-          <a:noFill/>
-        </p:spPr>
-        <p:txBody>
-          <a:bodyPr wrap="square" rtlCol="0">
-            <a:spAutoFit/>
-          </a:bodyPr>
-          <a:lstStyle/>
-          <a:p>
-            <a:r>
-              <a:rPr lang="en-US" sz="700" dirty="0" err="1">
-                <a:latin typeface="Arial" panose="020B0604020202020204" pitchFamily="34" charset="0"/>
-                <a:cs typeface="Arial" panose="020B0604020202020204" pitchFamily="34" charset="0"/>
-              </a:rPr>
-              <a:t>Strumigenys</a:t>
+              <a:t>Pheidole</a:t>
             </a:r>
             <a:endParaRPr lang="en-US" sz="700" dirty="0">
               <a:latin typeface="Arial" panose="020B0604020202020204" pitchFamily="34" charset="0"/>
               <a:cs typeface="Arial" panose="020B0604020202020204" pitchFamily="34" charset="0"/>
             </a:endParaRPr>
           </a:p>
-        </p:txBody>
-      </p:sp>
-      <p:sp>
-        <p:nvSpPr>
-          <p:cNvPr id="89" name="TextBox 88">
-            <a:extLst>
-              <a:ext uri="{FF2B5EF4-FFF2-40B4-BE49-F238E27FC236}">
-                <a16:creationId xmlns:a16="http://schemas.microsoft.com/office/drawing/2014/main" id="{B9789D3B-BB4B-7296-BB83-A063A3E4B16F}"/>
+          <a:p>
+            <a:r>
+              <a:rPr lang="en-US" sz="700" dirty="0">
+                <a:latin typeface="Arial" panose="020B0604020202020204" pitchFamily="34" charset="0"/>
+                <a:cs typeface="Arial" panose="020B0604020202020204" pitchFamily="34" charset="0"/>
+              </a:rPr>
+              <a:t>(big-headed ants)</a:t>
+            </a:r>
+          </a:p>
+        </p:txBody>
+      </p:sp>
+      <p:sp>
+        <p:nvSpPr>
+          <p:cNvPr id="77" name="TextBox 76">
+            <a:extLst>
+              <a:ext uri="{FF2B5EF4-FFF2-40B4-BE49-F238E27FC236}">
+                <a16:creationId xmlns:a16="http://schemas.microsoft.com/office/drawing/2014/main" id="{A2805D02-C544-7E6F-0A15-C12919A070C2}"/>
               </a:ext>
             </a:extLst>
           </p:cNvPr>
@@ -6713,9 +7225,9 @@
           <p:nvPr/>
         </p:nvSpPr>
         <p:spPr>
-          <a:xfrm rot="17213948">
-            <a:off x="4454967" y="4797439"/>
-            <a:ext cx="885798" cy="523220"/>
+          <a:xfrm rot="19319464">
+            <a:off x="6217479" y="2063485"/>
+            <a:ext cx="1333544" cy="307777"/>
           </a:xfrm>
           <a:prstGeom prst="rect">
             <a:avLst/>
@@ -6728,123 +7240,1442 @@
           </a:bodyPr>
           <a:lstStyle/>
           <a:p>
-            <a:pPr algn="r"/>
             <a:r>
               <a:rPr lang="en-US" sz="700" dirty="0" err="1">
                 <a:latin typeface="Arial" panose="020B0604020202020204" pitchFamily="34" charset="0"/>
                 <a:cs typeface="Arial" panose="020B0604020202020204" pitchFamily="34" charset="0"/>
               </a:rPr>
-              <a:t>Camponotus</a:t>
-            </a:r>
-            <a:r>
-              <a:rPr lang="en-US" sz="700" dirty="0">
-                <a:latin typeface="Arial" panose="020B0604020202020204" pitchFamily="34" charset="0"/>
-                <a:cs typeface="Arial" panose="020B0604020202020204" pitchFamily="34" charset="0"/>
-              </a:rPr>
-              <a:t> &amp; </a:t>
-            </a:r>
-          </a:p>
-          <a:p>
-            <a:pPr algn="r"/>
-            <a:r>
-              <a:rPr lang="en-US" sz="700" dirty="0" err="1">
-                <a:latin typeface="Arial" panose="020B0604020202020204" pitchFamily="34" charset="0"/>
-                <a:cs typeface="Arial" panose="020B0604020202020204" pitchFamily="34" charset="0"/>
-              </a:rPr>
-              <a:t>Calomyrmex</a:t>
-            </a:r>
-            <a:r>
-              <a:rPr lang="en-US" sz="700" dirty="0">
-                <a:latin typeface="Arial" panose="020B0604020202020204" pitchFamily="34" charset="0"/>
-                <a:cs typeface="Arial" panose="020B0604020202020204" pitchFamily="34" charset="0"/>
-              </a:rPr>
-              <a:t> </a:t>
-            </a:r>
-          </a:p>
-          <a:p>
-            <a:pPr algn="r"/>
-            <a:r>
-              <a:rPr lang="en-US" sz="700" dirty="0">
-                <a:latin typeface="Arial" panose="020B0604020202020204" pitchFamily="34" charset="0"/>
-                <a:cs typeface="Arial" panose="020B0604020202020204" pitchFamily="34" charset="0"/>
-              </a:rPr>
-              <a:t>(including </a:t>
-            </a:r>
-          </a:p>
-          <a:p>
-            <a:pPr algn="r"/>
-            <a:r>
-              <a:rPr lang="en-US" sz="700" dirty="0">
-                <a:latin typeface="Arial" panose="020B0604020202020204" pitchFamily="34" charset="0"/>
-                <a:cs typeface="Arial" panose="020B0604020202020204" pitchFamily="34" charset="0"/>
-              </a:rPr>
-              <a:t>carpenter ants)</a:t>
-            </a:r>
-          </a:p>
-        </p:txBody>
-      </p:sp>
-      <p:sp>
-        <p:nvSpPr>
-          <p:cNvPr id="5" name="TextBox 4">
-            <a:extLst>
-              <a:ext uri="{FF2B5EF4-FFF2-40B4-BE49-F238E27FC236}">
-                <a16:creationId xmlns:a16="http://schemas.microsoft.com/office/drawing/2014/main" id="{53AA86A6-1DB8-6E10-D7E9-E274EC6290C3}"/>
-              </a:ext>
-            </a:extLst>
-          </p:cNvPr>
-          <p:cNvSpPr txBox="1"/>
-          <p:nvPr/>
-        </p:nvSpPr>
-        <p:spPr>
-          <a:xfrm>
-            <a:off x="6628183" y="3169735"/>
-            <a:ext cx="1333544" cy="307777"/>
-          </a:xfrm>
-          <a:prstGeom prst="rect">
-            <a:avLst/>
-          </a:prstGeom>
-          <a:noFill/>
-        </p:spPr>
-        <p:txBody>
-          <a:bodyPr wrap="square" rtlCol="0">
-            <a:spAutoFit/>
-          </a:bodyPr>
-          <a:lstStyle/>
-          <a:p>
-            <a:r>
-              <a:rPr lang="en-US" sz="700" dirty="0" err="1">
-                <a:latin typeface="Arial" panose="020B0604020202020204" pitchFamily="34" charset="0"/>
-                <a:cs typeface="Arial" panose="020B0604020202020204" pitchFamily="34" charset="0"/>
-              </a:rPr>
-              <a:t>Daceton</a:t>
-            </a:r>
-            <a:r>
-              <a:rPr lang="en-US" sz="700" dirty="0">
-                <a:latin typeface="Arial" panose="020B0604020202020204" pitchFamily="34" charset="0"/>
-                <a:cs typeface="Arial" panose="020B0604020202020204" pitchFamily="34" charset="0"/>
-              </a:rPr>
-              <a:t> &amp;</a:t>
-            </a:r>
-          </a:p>
-          <a:p>
-            <a:r>
-              <a:rPr lang="en-US" sz="700" dirty="0" err="1">
-                <a:latin typeface="Arial" panose="020B0604020202020204" pitchFamily="34" charset="0"/>
-                <a:cs typeface="Arial" panose="020B0604020202020204" pitchFamily="34" charset="0"/>
-              </a:rPr>
-              <a:t>Orectognathus</a:t>
+              <a:t>Cephalotes</a:t>
             </a:r>
             <a:endParaRPr lang="en-US" sz="700" dirty="0">
               <a:latin typeface="Arial" panose="020B0604020202020204" pitchFamily="34" charset="0"/>
               <a:cs typeface="Arial" panose="020B0604020202020204" pitchFamily="34" charset="0"/>
             </a:endParaRPr>
           </a:p>
-        </p:txBody>
-      </p:sp>
+          <a:p>
+            <a:r>
+              <a:rPr lang="en-US" sz="700" dirty="0">
+                <a:latin typeface="Arial" panose="020B0604020202020204" pitchFamily="34" charset="0"/>
+                <a:cs typeface="Arial" panose="020B0604020202020204" pitchFamily="34" charset="0"/>
+              </a:rPr>
+              <a:t>(turtle ants)</a:t>
+            </a:r>
+          </a:p>
+        </p:txBody>
+      </p:sp>
+      <p:sp>
+        <p:nvSpPr>
+          <p:cNvPr id="79" name="TextBox 78">
+            <a:extLst>
+              <a:ext uri="{FF2B5EF4-FFF2-40B4-BE49-F238E27FC236}">
+                <a16:creationId xmlns:a16="http://schemas.microsoft.com/office/drawing/2014/main" id="{C5E69695-E7CD-3DBA-D270-E592904837EB}"/>
+              </a:ext>
+            </a:extLst>
+          </p:cNvPr>
+          <p:cNvSpPr txBox="1"/>
+          <p:nvPr/>
+        </p:nvSpPr>
+        <p:spPr>
+          <a:xfrm rot="475817">
+            <a:off x="6631770" y="3550518"/>
+            <a:ext cx="1333544" cy="200055"/>
+          </a:xfrm>
+          <a:prstGeom prst="rect">
+            <a:avLst/>
+          </a:prstGeom>
+          <a:noFill/>
+        </p:spPr>
+        <p:txBody>
+          <a:bodyPr wrap="square" rtlCol="0">
+            <a:spAutoFit/>
+          </a:bodyPr>
+          <a:lstStyle/>
+          <a:p>
+            <a:r>
+              <a:rPr lang="en-US" sz="700" dirty="0" err="1">
+                <a:latin typeface="Arial" panose="020B0604020202020204" pitchFamily="34" charset="0"/>
+                <a:cs typeface="Arial" panose="020B0604020202020204" pitchFamily="34" charset="0"/>
+              </a:rPr>
+              <a:t>Temnothorax</a:t>
+            </a:r>
+            <a:endParaRPr lang="en-US" sz="700" dirty="0">
+              <a:latin typeface="Arial" panose="020B0604020202020204" pitchFamily="34" charset="0"/>
+              <a:cs typeface="Arial" panose="020B0604020202020204" pitchFamily="34" charset="0"/>
+            </a:endParaRPr>
+          </a:p>
+        </p:txBody>
+      </p:sp>
+      <p:sp>
+        <p:nvSpPr>
+          <p:cNvPr id="80" name="TextBox 79">
+            <a:extLst>
+              <a:ext uri="{FF2B5EF4-FFF2-40B4-BE49-F238E27FC236}">
+                <a16:creationId xmlns:a16="http://schemas.microsoft.com/office/drawing/2014/main" id="{D7E80C9D-86CC-FA2E-6262-970C3E1B4FB6}"/>
+              </a:ext>
+            </a:extLst>
+          </p:cNvPr>
+          <p:cNvSpPr txBox="1"/>
+          <p:nvPr/>
+        </p:nvSpPr>
+        <p:spPr>
+          <a:xfrm rot="1165476">
+            <a:off x="6530063" y="3975940"/>
+            <a:ext cx="1333544" cy="200055"/>
+          </a:xfrm>
+          <a:prstGeom prst="rect">
+            <a:avLst/>
+          </a:prstGeom>
+          <a:noFill/>
+        </p:spPr>
+        <p:txBody>
+          <a:bodyPr wrap="square" rtlCol="0">
+            <a:spAutoFit/>
+          </a:bodyPr>
+          <a:lstStyle/>
+          <a:p>
+            <a:r>
+              <a:rPr lang="en-US" sz="700" dirty="0" err="1">
+                <a:latin typeface="Arial" panose="020B0604020202020204" pitchFamily="34" charset="0"/>
+                <a:cs typeface="Arial" panose="020B0604020202020204" pitchFamily="34" charset="0"/>
+              </a:rPr>
+              <a:t>Tetramorium</a:t>
+            </a:r>
+            <a:endParaRPr lang="en-US" sz="700" dirty="0">
+              <a:latin typeface="Arial" panose="020B0604020202020204" pitchFamily="34" charset="0"/>
+              <a:cs typeface="Arial" panose="020B0604020202020204" pitchFamily="34" charset="0"/>
+            </a:endParaRPr>
+          </a:p>
+        </p:txBody>
+      </p:sp>
+      <p:sp>
+        <p:nvSpPr>
+          <p:cNvPr id="81" name="TextBox 80">
+            <a:extLst>
+              <a:ext uri="{FF2B5EF4-FFF2-40B4-BE49-F238E27FC236}">
+                <a16:creationId xmlns:a16="http://schemas.microsoft.com/office/drawing/2014/main" id="{6F0E311C-339F-A70A-1048-2E294E38DFDD}"/>
+              </a:ext>
+            </a:extLst>
+          </p:cNvPr>
+          <p:cNvSpPr txBox="1"/>
+          <p:nvPr/>
+        </p:nvSpPr>
+        <p:spPr>
+          <a:xfrm rot="1813928">
+            <a:off x="6403288" y="4192159"/>
+            <a:ext cx="875999" cy="200055"/>
+          </a:xfrm>
+          <a:prstGeom prst="rect">
+            <a:avLst/>
+          </a:prstGeom>
+          <a:noFill/>
+        </p:spPr>
+        <p:txBody>
+          <a:bodyPr wrap="square" rtlCol="0">
+            <a:spAutoFit/>
+          </a:bodyPr>
+          <a:lstStyle/>
+          <a:p>
+            <a:r>
+              <a:rPr lang="en-US" sz="700" dirty="0" err="1">
+                <a:latin typeface="Arial" panose="020B0604020202020204" pitchFamily="34" charset="0"/>
+                <a:cs typeface="Arial" panose="020B0604020202020204" pitchFamily="34" charset="0"/>
+              </a:rPr>
+              <a:t>Crematogaster</a:t>
+            </a:r>
+            <a:endParaRPr lang="en-US" sz="700" dirty="0">
+              <a:latin typeface="Arial" panose="020B0604020202020204" pitchFamily="34" charset="0"/>
+              <a:cs typeface="Arial" panose="020B0604020202020204" pitchFamily="34" charset="0"/>
+            </a:endParaRPr>
+          </a:p>
+        </p:txBody>
+      </p:sp>
+      <p:sp>
+        <p:nvSpPr>
+          <p:cNvPr id="82" name="TextBox 81">
+            <a:extLst>
+              <a:ext uri="{FF2B5EF4-FFF2-40B4-BE49-F238E27FC236}">
+                <a16:creationId xmlns:a16="http://schemas.microsoft.com/office/drawing/2014/main" id="{4DCA7426-5F22-0118-C80E-05F7FA94DEE4}"/>
+              </a:ext>
+            </a:extLst>
+          </p:cNvPr>
+          <p:cNvSpPr txBox="1"/>
+          <p:nvPr/>
+        </p:nvSpPr>
+        <p:spPr>
+          <a:xfrm rot="2329988">
+            <a:off x="6207117" y="4552823"/>
+            <a:ext cx="1333544" cy="200055"/>
+          </a:xfrm>
+          <a:prstGeom prst="rect">
+            <a:avLst/>
+          </a:prstGeom>
+          <a:noFill/>
+        </p:spPr>
+        <p:txBody>
+          <a:bodyPr wrap="square" rtlCol="0">
+            <a:spAutoFit/>
+          </a:bodyPr>
+          <a:lstStyle/>
+          <a:p>
+            <a:r>
+              <a:rPr lang="en-US" sz="700" dirty="0" err="1">
+                <a:latin typeface="Arial" panose="020B0604020202020204" pitchFamily="34" charset="0"/>
+                <a:cs typeface="Arial" panose="020B0604020202020204" pitchFamily="34" charset="0"/>
+              </a:rPr>
+              <a:t>Acanthomyrmex</a:t>
+            </a:r>
+            <a:endParaRPr lang="en-US" sz="700" dirty="0">
+              <a:latin typeface="Arial" panose="020B0604020202020204" pitchFamily="34" charset="0"/>
+              <a:cs typeface="Arial" panose="020B0604020202020204" pitchFamily="34" charset="0"/>
+            </a:endParaRPr>
+          </a:p>
+        </p:txBody>
+      </p:sp>
+      <p:sp>
+        <p:nvSpPr>
+          <p:cNvPr id="83" name="TextBox 82">
+            <a:extLst>
+              <a:ext uri="{FF2B5EF4-FFF2-40B4-BE49-F238E27FC236}">
+                <a16:creationId xmlns:a16="http://schemas.microsoft.com/office/drawing/2014/main" id="{4D29DB1F-EE8B-3AEB-C782-A7207F660EC0}"/>
+              </a:ext>
+            </a:extLst>
+          </p:cNvPr>
+          <p:cNvSpPr txBox="1"/>
+          <p:nvPr/>
+        </p:nvSpPr>
+        <p:spPr>
+          <a:xfrm rot="2633072">
+            <a:off x="6115355" y="4647756"/>
+            <a:ext cx="1333544" cy="200055"/>
+          </a:xfrm>
+          <a:prstGeom prst="rect">
+            <a:avLst/>
+          </a:prstGeom>
+          <a:noFill/>
+        </p:spPr>
+        <p:txBody>
+          <a:bodyPr wrap="square" rtlCol="0">
+            <a:spAutoFit/>
+          </a:bodyPr>
+          <a:lstStyle/>
+          <a:p>
+            <a:r>
+              <a:rPr lang="en-US" sz="700" dirty="0" err="1">
+                <a:latin typeface="Arial" panose="020B0604020202020204" pitchFamily="34" charset="0"/>
+                <a:cs typeface="Arial" panose="020B0604020202020204" pitchFamily="34" charset="0"/>
+              </a:rPr>
+              <a:t>Carebara</a:t>
+            </a:r>
+            <a:endParaRPr lang="en-US" sz="700" dirty="0">
+              <a:latin typeface="Arial" panose="020B0604020202020204" pitchFamily="34" charset="0"/>
+              <a:cs typeface="Arial" panose="020B0604020202020204" pitchFamily="34" charset="0"/>
+            </a:endParaRPr>
+          </a:p>
+        </p:txBody>
+      </p:sp>
+      <p:sp>
+        <p:nvSpPr>
+          <p:cNvPr id="84" name="TextBox 83">
+            <a:extLst>
+              <a:ext uri="{FF2B5EF4-FFF2-40B4-BE49-F238E27FC236}">
+                <a16:creationId xmlns:a16="http://schemas.microsoft.com/office/drawing/2014/main" id="{5BA90B4E-B824-9B94-061C-D9DA2904184B}"/>
+              </a:ext>
+            </a:extLst>
+          </p:cNvPr>
+          <p:cNvSpPr txBox="1"/>
+          <p:nvPr/>
+        </p:nvSpPr>
+        <p:spPr>
+          <a:xfrm rot="2974828">
+            <a:off x="5958401" y="4754284"/>
+            <a:ext cx="1362018" cy="307777"/>
+          </a:xfrm>
+          <a:prstGeom prst="rect">
+            <a:avLst/>
+          </a:prstGeom>
+          <a:noFill/>
+        </p:spPr>
+        <p:txBody>
+          <a:bodyPr wrap="square" rtlCol="0">
+            <a:spAutoFit/>
+          </a:bodyPr>
+          <a:lstStyle/>
+          <a:p>
+            <a:r>
+              <a:rPr lang="en-US" sz="700" dirty="0" err="1">
+                <a:latin typeface="Arial" panose="020B0604020202020204" pitchFamily="34" charset="0"/>
+                <a:cs typeface="Arial" panose="020B0604020202020204" pitchFamily="34" charset="0"/>
+              </a:rPr>
+              <a:t>Solenopsidini</a:t>
+            </a:r>
+            <a:r>
+              <a:rPr lang="en-US" sz="700" dirty="0">
+                <a:latin typeface="Arial" panose="020B0604020202020204" pitchFamily="34" charset="0"/>
+                <a:cs typeface="Arial" panose="020B0604020202020204" pitchFamily="34" charset="0"/>
+              </a:rPr>
+              <a:t> </a:t>
+            </a:r>
+          </a:p>
+          <a:p>
+            <a:r>
+              <a:rPr lang="en-US" sz="700" dirty="0">
+                <a:latin typeface="Arial" panose="020B0604020202020204" pitchFamily="34" charset="0"/>
+                <a:cs typeface="Arial" panose="020B0604020202020204" pitchFamily="34" charset="0"/>
+              </a:rPr>
+              <a:t>(including fire ants</a:t>
+            </a:r>
+          </a:p>
+        </p:txBody>
+      </p:sp>
+      <p:sp>
+        <p:nvSpPr>
+          <p:cNvPr id="85" name="TextBox 84">
+            <a:extLst>
+              <a:ext uri="{FF2B5EF4-FFF2-40B4-BE49-F238E27FC236}">
+                <a16:creationId xmlns:a16="http://schemas.microsoft.com/office/drawing/2014/main" id="{73C67FDF-D811-E6CF-F779-E9ABBCE3EC25}"/>
+              </a:ext>
+            </a:extLst>
+          </p:cNvPr>
+          <p:cNvSpPr txBox="1"/>
+          <p:nvPr/>
+        </p:nvSpPr>
+        <p:spPr>
+          <a:xfrm rot="3704861">
+            <a:off x="5645024" y="5020699"/>
+            <a:ext cx="1333544" cy="200055"/>
+          </a:xfrm>
+          <a:prstGeom prst="rect">
+            <a:avLst/>
+          </a:prstGeom>
+          <a:noFill/>
+        </p:spPr>
+        <p:txBody>
+          <a:bodyPr wrap="square" rtlCol="0">
+            <a:spAutoFit/>
+          </a:bodyPr>
+          <a:lstStyle/>
+          <a:p>
+            <a:r>
+              <a:rPr lang="en-US" sz="700" dirty="0" err="1">
+                <a:latin typeface="Arial" panose="020B0604020202020204" pitchFamily="34" charset="0"/>
+                <a:cs typeface="Arial" panose="020B0604020202020204" pitchFamily="34" charset="0"/>
+              </a:rPr>
+              <a:t>Stenammini</a:t>
+            </a:r>
+            <a:endParaRPr lang="en-US" sz="700" dirty="0">
+              <a:latin typeface="Arial" panose="020B0604020202020204" pitchFamily="34" charset="0"/>
+              <a:cs typeface="Arial" panose="020B0604020202020204" pitchFamily="34" charset="0"/>
+            </a:endParaRPr>
+          </a:p>
+        </p:txBody>
+      </p:sp>
+      <p:sp>
+        <p:nvSpPr>
+          <p:cNvPr id="86" name="TextBox 85">
+            <a:extLst>
+              <a:ext uri="{FF2B5EF4-FFF2-40B4-BE49-F238E27FC236}">
+                <a16:creationId xmlns:a16="http://schemas.microsoft.com/office/drawing/2014/main" id="{4848484C-8D64-76DC-C94E-83337DBC0070}"/>
+              </a:ext>
+            </a:extLst>
+          </p:cNvPr>
+          <p:cNvSpPr txBox="1"/>
+          <p:nvPr/>
+        </p:nvSpPr>
+        <p:spPr>
+          <a:xfrm rot="4459405">
+            <a:off x="5206383" y="5188943"/>
+            <a:ext cx="1333544" cy="200055"/>
+          </a:xfrm>
+          <a:prstGeom prst="rect">
+            <a:avLst/>
+          </a:prstGeom>
+          <a:noFill/>
+        </p:spPr>
+        <p:txBody>
+          <a:bodyPr wrap="square" rtlCol="0">
+            <a:spAutoFit/>
+          </a:bodyPr>
+          <a:lstStyle/>
+          <a:p>
+            <a:r>
+              <a:rPr lang="en-US" sz="700" dirty="0" err="1">
+                <a:latin typeface="Arial" panose="020B0604020202020204" pitchFamily="34" charset="0"/>
+                <a:cs typeface="Arial" panose="020B0604020202020204" pitchFamily="34" charset="0"/>
+              </a:rPr>
+              <a:t>Pogonomyrmex</a:t>
+            </a:r>
+            <a:endParaRPr lang="en-US" sz="700" dirty="0">
+              <a:latin typeface="Arial" panose="020B0604020202020204" pitchFamily="34" charset="0"/>
+              <a:cs typeface="Arial" panose="020B0604020202020204" pitchFamily="34" charset="0"/>
+            </a:endParaRPr>
+          </a:p>
+        </p:txBody>
+      </p:sp>
+      <p:sp>
+        <p:nvSpPr>
+          <p:cNvPr id="87" name="TextBox 86">
+            <a:extLst>
+              <a:ext uri="{FF2B5EF4-FFF2-40B4-BE49-F238E27FC236}">
+                <a16:creationId xmlns:a16="http://schemas.microsoft.com/office/drawing/2014/main" id="{EB59F093-67FF-9FA2-FF77-2295692BF6E7}"/>
+              </a:ext>
+            </a:extLst>
+          </p:cNvPr>
+          <p:cNvSpPr txBox="1"/>
+          <p:nvPr/>
+        </p:nvSpPr>
+        <p:spPr>
+          <a:xfrm rot="5135857">
+            <a:off x="4844358" y="5248256"/>
+            <a:ext cx="1333544" cy="200055"/>
+          </a:xfrm>
+          <a:prstGeom prst="rect">
+            <a:avLst/>
+          </a:prstGeom>
+          <a:noFill/>
+        </p:spPr>
+        <p:txBody>
+          <a:bodyPr wrap="square" rtlCol="0">
+            <a:spAutoFit/>
+          </a:bodyPr>
+          <a:lstStyle/>
+          <a:p>
+            <a:r>
+              <a:rPr lang="en-US" sz="700" dirty="0" err="1">
+                <a:latin typeface="Arial" panose="020B0604020202020204" pitchFamily="34" charset="0"/>
+                <a:cs typeface="Arial" panose="020B0604020202020204" pitchFamily="34" charset="0"/>
+              </a:rPr>
+              <a:t>Myrmicini</a:t>
+            </a:r>
+            <a:endParaRPr lang="en-US" sz="700" dirty="0">
+              <a:latin typeface="Arial" panose="020B0604020202020204" pitchFamily="34" charset="0"/>
+              <a:cs typeface="Arial" panose="020B0604020202020204" pitchFamily="34" charset="0"/>
+            </a:endParaRPr>
+          </a:p>
+        </p:txBody>
+      </p:sp>
+      <p:sp>
+        <p:nvSpPr>
+          <p:cNvPr id="88" name="TextBox 87">
+            <a:extLst>
+              <a:ext uri="{FF2B5EF4-FFF2-40B4-BE49-F238E27FC236}">
+                <a16:creationId xmlns:a16="http://schemas.microsoft.com/office/drawing/2014/main" id="{F2D7EB47-9408-E89E-A29F-C971C6F4C397}"/>
+              </a:ext>
+            </a:extLst>
+          </p:cNvPr>
+          <p:cNvSpPr txBox="1"/>
+          <p:nvPr/>
+        </p:nvSpPr>
+        <p:spPr>
+          <a:xfrm rot="16477676">
+            <a:off x="4565543" y="5244663"/>
+            <a:ext cx="1333544" cy="200055"/>
+          </a:xfrm>
+          <a:prstGeom prst="rect">
+            <a:avLst/>
+          </a:prstGeom>
+          <a:noFill/>
+        </p:spPr>
+        <p:txBody>
+          <a:bodyPr wrap="square" rtlCol="0">
+            <a:spAutoFit/>
+          </a:bodyPr>
+          <a:lstStyle/>
+          <a:p>
+            <a:pPr algn="r"/>
+            <a:r>
+              <a:rPr lang="en-US" sz="700" dirty="0" err="1">
+                <a:latin typeface="Arial" panose="020B0604020202020204" pitchFamily="34" charset="0"/>
+                <a:cs typeface="Arial" panose="020B0604020202020204" pitchFamily="34" charset="0"/>
+              </a:rPr>
+              <a:t>Ectatommini</a:t>
+            </a:r>
+            <a:endParaRPr lang="en-US" sz="700" dirty="0">
+              <a:latin typeface="Arial" panose="020B0604020202020204" pitchFamily="34" charset="0"/>
+              <a:cs typeface="Arial" panose="020B0604020202020204" pitchFamily="34" charset="0"/>
+            </a:endParaRPr>
+          </a:p>
+        </p:txBody>
+      </p:sp>
+      <p:sp>
+        <p:nvSpPr>
+          <p:cNvPr id="90" name="TextBox 89">
+            <a:extLst>
+              <a:ext uri="{FF2B5EF4-FFF2-40B4-BE49-F238E27FC236}">
+                <a16:creationId xmlns:a16="http://schemas.microsoft.com/office/drawing/2014/main" id="{B724B3B9-0787-8259-3E5D-D1E4663C51C8}"/>
+              </a:ext>
+            </a:extLst>
+          </p:cNvPr>
+          <p:cNvSpPr txBox="1"/>
+          <p:nvPr/>
+        </p:nvSpPr>
+        <p:spPr>
+          <a:xfrm rot="17863273">
+            <a:off x="3841241" y="5029557"/>
+            <a:ext cx="1311289" cy="200055"/>
+          </a:xfrm>
+          <a:prstGeom prst="rect">
+            <a:avLst/>
+          </a:prstGeom>
+          <a:noFill/>
+        </p:spPr>
+        <p:txBody>
+          <a:bodyPr wrap="square" rtlCol="0">
+            <a:spAutoFit/>
+          </a:bodyPr>
+          <a:lstStyle/>
+          <a:p>
+            <a:pPr algn="r"/>
+            <a:r>
+              <a:rPr lang="en-US" sz="700" dirty="0" err="1">
+                <a:latin typeface="Arial" panose="020B0604020202020204" pitchFamily="34" charset="0"/>
+                <a:cs typeface="Arial" panose="020B0604020202020204" pitchFamily="34" charset="0"/>
+              </a:rPr>
+              <a:t>Polyrhachis</a:t>
+            </a:r>
+            <a:endParaRPr lang="en-US" sz="700" dirty="0">
+              <a:latin typeface="Arial" panose="020B0604020202020204" pitchFamily="34" charset="0"/>
+              <a:cs typeface="Arial" panose="020B0604020202020204" pitchFamily="34" charset="0"/>
+            </a:endParaRPr>
+          </a:p>
+        </p:txBody>
+      </p:sp>
+      <p:sp>
+        <p:nvSpPr>
+          <p:cNvPr id="91" name="TextBox 90">
+            <a:extLst>
+              <a:ext uri="{FF2B5EF4-FFF2-40B4-BE49-F238E27FC236}">
+                <a16:creationId xmlns:a16="http://schemas.microsoft.com/office/drawing/2014/main" id="{C87CB8F1-2D42-82EC-D3A9-8E623A71E68C}"/>
+              </a:ext>
+            </a:extLst>
+          </p:cNvPr>
+          <p:cNvSpPr txBox="1"/>
+          <p:nvPr/>
+        </p:nvSpPr>
+        <p:spPr>
+          <a:xfrm rot="18689524">
+            <a:off x="3417563" y="4745089"/>
+            <a:ext cx="1333544" cy="200055"/>
+          </a:xfrm>
+          <a:prstGeom prst="rect">
+            <a:avLst/>
+          </a:prstGeom>
+          <a:noFill/>
+        </p:spPr>
+        <p:txBody>
+          <a:bodyPr wrap="square" rtlCol="0">
+            <a:spAutoFit/>
+          </a:bodyPr>
+          <a:lstStyle/>
+          <a:p>
+            <a:pPr algn="r"/>
+            <a:r>
+              <a:rPr lang="en-US" sz="700" dirty="0">
+                <a:latin typeface="Arial" panose="020B0604020202020204" pitchFamily="34" charset="0"/>
+                <a:cs typeface="Arial" panose="020B0604020202020204" pitchFamily="34" charset="0"/>
+              </a:rPr>
+              <a:t>Formica (wood ants)</a:t>
+            </a:r>
+          </a:p>
+        </p:txBody>
+      </p:sp>
+      <p:sp>
+        <p:nvSpPr>
+          <p:cNvPr id="92" name="TextBox 91">
+            <a:extLst>
+              <a:ext uri="{FF2B5EF4-FFF2-40B4-BE49-F238E27FC236}">
+                <a16:creationId xmlns:a16="http://schemas.microsoft.com/office/drawing/2014/main" id="{10C6AB6F-C11E-DD36-9A55-21093B2D5CCA}"/>
+              </a:ext>
+            </a:extLst>
+          </p:cNvPr>
+          <p:cNvSpPr txBox="1"/>
+          <p:nvPr/>
+        </p:nvSpPr>
+        <p:spPr>
+          <a:xfrm rot="19412798">
+            <a:off x="3175225" y="4438668"/>
+            <a:ext cx="1333544" cy="307777"/>
+          </a:xfrm>
+          <a:prstGeom prst="rect">
+            <a:avLst/>
+          </a:prstGeom>
+          <a:noFill/>
+        </p:spPr>
+        <p:txBody>
+          <a:bodyPr wrap="square" rtlCol="0">
+            <a:spAutoFit/>
+          </a:bodyPr>
+          <a:lstStyle/>
+          <a:p>
+            <a:pPr algn="r"/>
+            <a:r>
+              <a:rPr lang="en-US" sz="700" dirty="0" err="1">
+                <a:latin typeface="Arial" panose="020B0604020202020204" pitchFamily="34" charset="0"/>
+                <a:cs typeface="Arial" panose="020B0604020202020204" pitchFamily="34" charset="0"/>
+              </a:rPr>
+              <a:t>Cataglyphis</a:t>
+            </a:r>
+            <a:endParaRPr lang="en-US" sz="700" dirty="0">
+              <a:latin typeface="Arial" panose="020B0604020202020204" pitchFamily="34" charset="0"/>
+              <a:cs typeface="Arial" panose="020B0604020202020204" pitchFamily="34" charset="0"/>
+            </a:endParaRPr>
+          </a:p>
+          <a:p>
+            <a:pPr algn="r"/>
+            <a:r>
+              <a:rPr lang="en-US" sz="700" dirty="0">
+                <a:latin typeface="Arial" panose="020B0604020202020204" pitchFamily="34" charset="0"/>
+                <a:cs typeface="Arial" panose="020B0604020202020204" pitchFamily="34" charset="0"/>
+              </a:rPr>
+              <a:t>(desert ants)</a:t>
+            </a:r>
+          </a:p>
+        </p:txBody>
+      </p:sp>
+      <p:sp>
+        <p:nvSpPr>
+          <p:cNvPr id="93" name="TextBox 92">
+            <a:extLst>
+              <a:ext uri="{FF2B5EF4-FFF2-40B4-BE49-F238E27FC236}">
+                <a16:creationId xmlns:a16="http://schemas.microsoft.com/office/drawing/2014/main" id="{49D65B37-11A3-B4B0-EE13-F03C2C8D7ED4}"/>
+              </a:ext>
+            </a:extLst>
+          </p:cNvPr>
+          <p:cNvSpPr txBox="1"/>
+          <p:nvPr/>
+        </p:nvSpPr>
+        <p:spPr>
+          <a:xfrm rot="19845411">
+            <a:off x="3018652" y="4194111"/>
+            <a:ext cx="1333544" cy="307777"/>
+          </a:xfrm>
+          <a:prstGeom prst="rect">
+            <a:avLst/>
+          </a:prstGeom>
+          <a:noFill/>
+        </p:spPr>
+        <p:txBody>
+          <a:bodyPr wrap="square" rtlCol="0">
+            <a:spAutoFit/>
+          </a:bodyPr>
+          <a:lstStyle/>
+          <a:p>
+            <a:pPr algn="r"/>
+            <a:r>
+              <a:rPr lang="en-US" sz="700" dirty="0" err="1">
+                <a:latin typeface="Arial" panose="020B0604020202020204" pitchFamily="34" charset="0"/>
+                <a:cs typeface="Arial" panose="020B0604020202020204" pitchFamily="34" charset="0"/>
+              </a:rPr>
+              <a:t>Lasius</a:t>
+            </a:r>
+            <a:r>
+              <a:rPr lang="en-US" sz="700" dirty="0">
+                <a:latin typeface="Arial" panose="020B0604020202020204" pitchFamily="34" charset="0"/>
+                <a:cs typeface="Arial" panose="020B0604020202020204" pitchFamily="34" charset="0"/>
+              </a:rPr>
+              <a:t> &amp; </a:t>
+            </a:r>
+          </a:p>
+          <a:p>
+            <a:pPr algn="r"/>
+            <a:r>
+              <a:rPr lang="en-US" sz="700" dirty="0" err="1">
+                <a:latin typeface="Arial" panose="020B0604020202020204" pitchFamily="34" charset="0"/>
+                <a:cs typeface="Arial" panose="020B0604020202020204" pitchFamily="34" charset="0"/>
+              </a:rPr>
+              <a:t>Myrmecocystus</a:t>
+            </a:r>
+            <a:endParaRPr lang="en-US" sz="700" dirty="0">
+              <a:latin typeface="Arial" panose="020B0604020202020204" pitchFamily="34" charset="0"/>
+              <a:cs typeface="Arial" panose="020B0604020202020204" pitchFamily="34" charset="0"/>
+            </a:endParaRPr>
+          </a:p>
+        </p:txBody>
+      </p:sp>
+      <p:sp>
+        <p:nvSpPr>
+          <p:cNvPr id="94" name="TextBox 93">
+            <a:extLst>
+              <a:ext uri="{FF2B5EF4-FFF2-40B4-BE49-F238E27FC236}">
+                <a16:creationId xmlns:a16="http://schemas.microsoft.com/office/drawing/2014/main" id="{3EACAE12-6546-70F4-7B99-DAF321E07630}"/>
+              </a:ext>
+            </a:extLst>
+          </p:cNvPr>
+          <p:cNvSpPr txBox="1"/>
+          <p:nvPr/>
+        </p:nvSpPr>
+        <p:spPr>
+          <a:xfrm rot="20489685">
+            <a:off x="2868149" y="3878004"/>
+            <a:ext cx="1333544" cy="200055"/>
+          </a:xfrm>
+          <a:prstGeom prst="rect">
+            <a:avLst/>
+          </a:prstGeom>
+          <a:noFill/>
+        </p:spPr>
+        <p:txBody>
+          <a:bodyPr wrap="square" rtlCol="0">
+            <a:spAutoFit/>
+          </a:bodyPr>
+          <a:lstStyle/>
+          <a:p>
+            <a:pPr algn="r"/>
+            <a:r>
+              <a:rPr lang="en-US" sz="700" dirty="0" err="1">
+                <a:latin typeface="Arial" panose="020B0604020202020204" pitchFamily="34" charset="0"/>
+                <a:cs typeface="Arial" panose="020B0604020202020204" pitchFamily="34" charset="0"/>
+              </a:rPr>
+              <a:t>Brachymyrmex</a:t>
+            </a:r>
+            <a:endParaRPr lang="en-US" sz="700" dirty="0">
+              <a:latin typeface="Arial" panose="020B0604020202020204" pitchFamily="34" charset="0"/>
+              <a:cs typeface="Arial" panose="020B0604020202020204" pitchFamily="34" charset="0"/>
+            </a:endParaRPr>
+          </a:p>
+        </p:txBody>
+      </p:sp>
+      <p:sp>
+        <p:nvSpPr>
+          <p:cNvPr id="95" name="TextBox 94">
+            <a:extLst>
+              <a:ext uri="{FF2B5EF4-FFF2-40B4-BE49-F238E27FC236}">
+                <a16:creationId xmlns:a16="http://schemas.microsoft.com/office/drawing/2014/main" id="{6DE714FC-00C5-A572-ECE0-8443BA3D3B83}"/>
+              </a:ext>
+            </a:extLst>
+          </p:cNvPr>
+          <p:cNvSpPr txBox="1"/>
+          <p:nvPr/>
+        </p:nvSpPr>
+        <p:spPr>
+          <a:xfrm rot="786969">
+            <a:off x="2854811" y="2857316"/>
+            <a:ext cx="1333544" cy="200055"/>
+          </a:xfrm>
+          <a:prstGeom prst="rect">
+            <a:avLst/>
+          </a:prstGeom>
+          <a:noFill/>
+        </p:spPr>
+        <p:txBody>
+          <a:bodyPr wrap="square" rtlCol="0">
+            <a:spAutoFit/>
+          </a:bodyPr>
+          <a:lstStyle/>
+          <a:p>
+            <a:pPr algn="r"/>
+            <a:r>
+              <a:rPr lang="en-US" sz="700" dirty="0" err="1">
+                <a:latin typeface="Arial" panose="020B0604020202020204" pitchFamily="34" charset="0"/>
+                <a:cs typeface="Arial" panose="020B0604020202020204" pitchFamily="34" charset="0"/>
+              </a:rPr>
+              <a:t>Dolichoderinae</a:t>
+            </a:r>
+            <a:endParaRPr lang="en-US" sz="700" dirty="0">
+              <a:latin typeface="Arial" panose="020B0604020202020204" pitchFamily="34" charset="0"/>
+              <a:cs typeface="Arial" panose="020B0604020202020204" pitchFamily="34" charset="0"/>
+            </a:endParaRPr>
+          </a:p>
+        </p:txBody>
+      </p:sp>
+      <p:sp>
+        <p:nvSpPr>
+          <p:cNvPr id="96" name="TextBox 95">
+            <a:extLst>
+              <a:ext uri="{FF2B5EF4-FFF2-40B4-BE49-F238E27FC236}">
+                <a16:creationId xmlns:a16="http://schemas.microsoft.com/office/drawing/2014/main" id="{1A33A028-C24A-1ACF-B1A4-B3C5A0E2F748}"/>
+              </a:ext>
+            </a:extLst>
+          </p:cNvPr>
+          <p:cNvSpPr txBox="1"/>
+          <p:nvPr/>
+        </p:nvSpPr>
+        <p:spPr>
+          <a:xfrm>
+            <a:off x="2794433" y="3337675"/>
+            <a:ext cx="1333544" cy="200055"/>
+          </a:xfrm>
+          <a:prstGeom prst="rect">
+            <a:avLst/>
+          </a:prstGeom>
+          <a:noFill/>
+        </p:spPr>
+        <p:txBody>
+          <a:bodyPr wrap="square" rtlCol="0">
+            <a:spAutoFit/>
+          </a:bodyPr>
+          <a:lstStyle/>
+          <a:p>
+            <a:pPr algn="r"/>
+            <a:r>
+              <a:rPr lang="en-US" sz="700" dirty="0" err="1">
+                <a:latin typeface="Arial" panose="020B0604020202020204" pitchFamily="34" charset="0"/>
+                <a:cs typeface="Arial" panose="020B0604020202020204" pitchFamily="34" charset="0"/>
+              </a:rPr>
+              <a:t>Pseudomyrmecini</a:t>
+            </a:r>
+            <a:endParaRPr lang="en-US" sz="700" dirty="0">
+              <a:latin typeface="Arial" panose="020B0604020202020204" pitchFamily="34" charset="0"/>
+              <a:cs typeface="Arial" panose="020B0604020202020204" pitchFamily="34" charset="0"/>
+            </a:endParaRPr>
+          </a:p>
+        </p:txBody>
+      </p:sp>
+      <p:sp>
+        <p:nvSpPr>
+          <p:cNvPr id="97" name="TextBox 96">
+            <a:extLst>
+              <a:ext uri="{FF2B5EF4-FFF2-40B4-BE49-F238E27FC236}">
+                <a16:creationId xmlns:a16="http://schemas.microsoft.com/office/drawing/2014/main" id="{D122615B-EC0C-62C1-9153-77B222C8EB89}"/>
+              </a:ext>
+            </a:extLst>
+          </p:cNvPr>
+          <p:cNvSpPr txBox="1"/>
+          <p:nvPr/>
+        </p:nvSpPr>
+        <p:spPr>
+          <a:xfrm rot="1782613">
+            <a:off x="3052805" y="2366806"/>
+            <a:ext cx="1333544" cy="200055"/>
+          </a:xfrm>
+          <a:prstGeom prst="rect">
+            <a:avLst/>
+          </a:prstGeom>
+          <a:noFill/>
+        </p:spPr>
+        <p:txBody>
+          <a:bodyPr wrap="square" rtlCol="0">
+            <a:spAutoFit/>
+          </a:bodyPr>
+          <a:lstStyle/>
+          <a:p>
+            <a:pPr algn="r"/>
+            <a:r>
+              <a:rPr lang="en-US" sz="700" dirty="0" err="1">
+                <a:latin typeface="Arial" panose="020B0604020202020204" pitchFamily="34" charset="0"/>
+                <a:cs typeface="Arial" panose="020B0604020202020204" pitchFamily="34" charset="0"/>
+              </a:rPr>
+              <a:t>Dorylinae</a:t>
+            </a:r>
+            <a:r>
+              <a:rPr lang="en-US" sz="700" dirty="0">
+                <a:latin typeface="Arial" panose="020B0604020202020204" pitchFamily="34" charset="0"/>
+                <a:cs typeface="Arial" panose="020B0604020202020204" pitchFamily="34" charset="0"/>
+              </a:rPr>
+              <a:t> (army ants)</a:t>
+            </a:r>
+          </a:p>
+        </p:txBody>
+      </p:sp>
+      <p:sp>
+        <p:nvSpPr>
+          <p:cNvPr id="98" name="TextBox 97">
+            <a:extLst>
+              <a:ext uri="{FF2B5EF4-FFF2-40B4-BE49-F238E27FC236}">
+                <a16:creationId xmlns:a16="http://schemas.microsoft.com/office/drawing/2014/main" id="{F8511994-3225-CCF3-D1A8-F4F67F14CF8B}"/>
+              </a:ext>
+            </a:extLst>
+          </p:cNvPr>
+          <p:cNvSpPr txBox="1"/>
+          <p:nvPr/>
+        </p:nvSpPr>
+        <p:spPr>
+          <a:xfrm rot="3421432">
+            <a:off x="3685438" y="1703088"/>
+            <a:ext cx="1333544" cy="200055"/>
+          </a:xfrm>
+          <a:prstGeom prst="rect">
+            <a:avLst/>
+          </a:prstGeom>
+          <a:noFill/>
+        </p:spPr>
+        <p:txBody>
+          <a:bodyPr wrap="square" rtlCol="0">
+            <a:spAutoFit/>
+          </a:bodyPr>
+          <a:lstStyle/>
+          <a:p>
+            <a:pPr algn="r"/>
+            <a:r>
+              <a:rPr lang="en-US" sz="700" dirty="0" err="1">
+                <a:latin typeface="Arial" panose="020B0604020202020204" pitchFamily="34" charset="0"/>
+                <a:cs typeface="Arial" panose="020B0604020202020204" pitchFamily="34" charset="0"/>
+              </a:rPr>
+              <a:t>Ponerinae</a:t>
+            </a:r>
+            <a:endParaRPr lang="en-US" sz="700" dirty="0">
+              <a:latin typeface="Arial" panose="020B0604020202020204" pitchFamily="34" charset="0"/>
+              <a:cs typeface="Arial" panose="020B0604020202020204" pitchFamily="34" charset="0"/>
+            </a:endParaRPr>
+          </a:p>
+        </p:txBody>
+      </p:sp>
+      <p:sp>
+        <p:nvSpPr>
+          <p:cNvPr id="99" name="TextBox 98">
+            <a:extLst>
+              <a:ext uri="{FF2B5EF4-FFF2-40B4-BE49-F238E27FC236}">
+                <a16:creationId xmlns:a16="http://schemas.microsoft.com/office/drawing/2014/main" id="{3B4BA9FC-8B67-39CB-7912-B15CF4433735}"/>
+              </a:ext>
+            </a:extLst>
+          </p:cNvPr>
+          <p:cNvSpPr txBox="1"/>
+          <p:nvPr/>
+        </p:nvSpPr>
+        <p:spPr>
+          <a:xfrm rot="4797691">
+            <a:off x="4392789" y="1435259"/>
+            <a:ext cx="1333544" cy="200055"/>
+          </a:xfrm>
+          <a:prstGeom prst="rect">
+            <a:avLst/>
+          </a:prstGeom>
+          <a:noFill/>
+        </p:spPr>
+        <p:txBody>
+          <a:bodyPr wrap="square" rtlCol="0">
+            <a:spAutoFit/>
+          </a:bodyPr>
+          <a:lstStyle/>
+          <a:p>
+            <a:pPr algn="r"/>
+            <a:r>
+              <a:rPr lang="en-US" sz="700" dirty="0" err="1">
+                <a:latin typeface="Arial" panose="020B0604020202020204" pitchFamily="34" charset="0"/>
+                <a:cs typeface="Arial" panose="020B0604020202020204" pitchFamily="34" charset="0"/>
+              </a:rPr>
+              <a:t>Amblyoponini</a:t>
+            </a:r>
+            <a:endParaRPr lang="en-US" sz="700" dirty="0">
+              <a:latin typeface="Arial" panose="020B0604020202020204" pitchFamily="34" charset="0"/>
+              <a:cs typeface="Arial" panose="020B0604020202020204" pitchFamily="34" charset="0"/>
+            </a:endParaRPr>
+          </a:p>
+        </p:txBody>
+      </p:sp>
+      <p:sp>
+        <p:nvSpPr>
+          <p:cNvPr id="102" name="TextBox 101">
+            <a:extLst>
+              <a:ext uri="{FF2B5EF4-FFF2-40B4-BE49-F238E27FC236}">
+                <a16:creationId xmlns:a16="http://schemas.microsoft.com/office/drawing/2014/main" id="{D34FBC95-BEFF-4E5C-6B58-C1F87BC560D8}"/>
+              </a:ext>
+            </a:extLst>
+          </p:cNvPr>
+          <p:cNvSpPr txBox="1"/>
+          <p:nvPr/>
+        </p:nvSpPr>
+        <p:spPr>
+          <a:xfrm rot="20851492">
+            <a:off x="2823475" y="3704003"/>
+            <a:ext cx="1333544" cy="200055"/>
+          </a:xfrm>
+          <a:prstGeom prst="rect">
+            <a:avLst/>
+          </a:prstGeom>
+          <a:noFill/>
+        </p:spPr>
+        <p:txBody>
+          <a:bodyPr wrap="square" rtlCol="0">
+            <a:spAutoFit/>
+          </a:bodyPr>
+          <a:lstStyle/>
+          <a:p>
+            <a:pPr algn="r"/>
+            <a:r>
+              <a:rPr lang="en-US" sz="700" dirty="0" err="1">
+                <a:latin typeface="Arial" panose="020B0604020202020204" pitchFamily="34" charset="0"/>
+                <a:cs typeface="Arial" panose="020B0604020202020204" pitchFamily="34" charset="0"/>
+              </a:rPr>
+              <a:t>Myrmeciini</a:t>
+            </a:r>
+            <a:endParaRPr lang="en-US" sz="700" dirty="0">
+              <a:latin typeface="Arial" panose="020B0604020202020204" pitchFamily="34" charset="0"/>
+              <a:cs typeface="Arial" panose="020B0604020202020204" pitchFamily="34" charset="0"/>
+            </a:endParaRPr>
+          </a:p>
+        </p:txBody>
+      </p:sp>
+      <p:sp>
+        <p:nvSpPr>
+          <p:cNvPr id="78" name="TextBox 77">
+            <a:extLst>
+              <a:ext uri="{FF2B5EF4-FFF2-40B4-BE49-F238E27FC236}">
+                <a16:creationId xmlns:a16="http://schemas.microsoft.com/office/drawing/2014/main" id="{8B1D251D-6017-28AC-4FCE-AE681C9F0F98}"/>
+              </a:ext>
+            </a:extLst>
+          </p:cNvPr>
+          <p:cNvSpPr txBox="1"/>
+          <p:nvPr/>
+        </p:nvSpPr>
+        <p:spPr>
+          <a:xfrm rot="20493597">
+            <a:off x="6549684" y="2673080"/>
+            <a:ext cx="1333544" cy="307777"/>
+          </a:xfrm>
+          <a:prstGeom prst="rect">
+            <a:avLst/>
+          </a:prstGeom>
+          <a:noFill/>
+        </p:spPr>
+        <p:txBody>
+          <a:bodyPr wrap="square" rtlCol="0">
+            <a:spAutoFit/>
+          </a:bodyPr>
+          <a:lstStyle/>
+          <a:p>
+            <a:r>
+              <a:rPr lang="en-US" sz="700" dirty="0">
+                <a:latin typeface="Arial" panose="020B0604020202020204" pitchFamily="34" charset="0"/>
+                <a:cs typeface="Arial" panose="020B0604020202020204" pitchFamily="34" charset="0"/>
+              </a:rPr>
+              <a:t>Fungus-growing</a:t>
+            </a:r>
+          </a:p>
+          <a:p>
+            <a:r>
+              <a:rPr lang="en-US" sz="700" dirty="0">
+                <a:latin typeface="Arial" panose="020B0604020202020204" pitchFamily="34" charset="0"/>
+                <a:cs typeface="Arial" panose="020B0604020202020204" pitchFamily="34" charset="0"/>
+              </a:rPr>
+              <a:t>ants (including Atta &amp;</a:t>
+            </a:r>
+          </a:p>
+        </p:txBody>
+      </p:sp>
+      <p:sp>
+        <p:nvSpPr>
+          <p:cNvPr id="89" name="TextBox 88">
+            <a:extLst>
+              <a:ext uri="{FF2B5EF4-FFF2-40B4-BE49-F238E27FC236}">
+                <a16:creationId xmlns:a16="http://schemas.microsoft.com/office/drawing/2014/main" id="{B9789D3B-BB4B-7296-BB83-A063A3E4B16F}"/>
+              </a:ext>
+            </a:extLst>
+          </p:cNvPr>
+          <p:cNvSpPr txBox="1"/>
+          <p:nvPr/>
+        </p:nvSpPr>
+        <p:spPr>
+          <a:xfrm rot="17302817">
+            <a:off x="4350583" y="4870235"/>
+            <a:ext cx="885798" cy="307777"/>
+          </a:xfrm>
+          <a:prstGeom prst="rect">
+            <a:avLst/>
+          </a:prstGeom>
+          <a:noFill/>
+        </p:spPr>
+        <p:txBody>
+          <a:bodyPr wrap="square" rtlCol="0">
+            <a:spAutoFit/>
+          </a:bodyPr>
+          <a:lstStyle/>
+          <a:p>
+            <a:pPr algn="r"/>
+            <a:r>
+              <a:rPr lang="en-US" sz="700" dirty="0" err="1">
+                <a:latin typeface="Arial" panose="020B0604020202020204" pitchFamily="34" charset="0"/>
+                <a:cs typeface="Arial" panose="020B0604020202020204" pitchFamily="34" charset="0"/>
+              </a:rPr>
+              <a:t>Camponotus</a:t>
+            </a:r>
+            <a:r>
+              <a:rPr lang="en-US" sz="700" dirty="0">
+                <a:latin typeface="Arial" panose="020B0604020202020204" pitchFamily="34" charset="0"/>
+                <a:cs typeface="Arial" panose="020B0604020202020204" pitchFamily="34" charset="0"/>
+              </a:rPr>
+              <a:t> &amp; </a:t>
+            </a:r>
+          </a:p>
+          <a:p>
+            <a:pPr algn="r"/>
+            <a:r>
+              <a:rPr lang="en-US" sz="700" dirty="0" err="1">
+                <a:latin typeface="Arial" panose="020B0604020202020204" pitchFamily="34" charset="0"/>
+                <a:cs typeface="Arial" panose="020B0604020202020204" pitchFamily="34" charset="0"/>
+              </a:rPr>
+              <a:t>Calomyrmex</a:t>
+            </a:r>
+            <a:r>
+              <a:rPr lang="en-US" sz="700" dirty="0">
+                <a:latin typeface="Arial" panose="020B0604020202020204" pitchFamily="34" charset="0"/>
+                <a:cs typeface="Arial" panose="020B0604020202020204" pitchFamily="34" charset="0"/>
+              </a:rPr>
+              <a:t> </a:t>
+            </a:r>
+          </a:p>
+        </p:txBody>
+      </p:sp>
+      <p:sp>
+        <p:nvSpPr>
+          <p:cNvPr id="5" name="TextBox 4">
+            <a:extLst>
+              <a:ext uri="{FF2B5EF4-FFF2-40B4-BE49-F238E27FC236}">
+                <a16:creationId xmlns:a16="http://schemas.microsoft.com/office/drawing/2014/main" id="{53AA86A6-1DB8-6E10-D7E9-E274EC6290C3}"/>
+              </a:ext>
+            </a:extLst>
+          </p:cNvPr>
+          <p:cNvSpPr txBox="1"/>
+          <p:nvPr/>
+        </p:nvSpPr>
+        <p:spPr>
+          <a:xfrm rot="21301296">
+            <a:off x="6635771" y="3136072"/>
+            <a:ext cx="1333544" cy="200055"/>
+          </a:xfrm>
+          <a:prstGeom prst="rect">
+            <a:avLst/>
+          </a:prstGeom>
+          <a:noFill/>
+        </p:spPr>
+        <p:txBody>
+          <a:bodyPr wrap="square" rtlCol="0">
+            <a:spAutoFit/>
+          </a:bodyPr>
+          <a:lstStyle/>
+          <a:p>
+            <a:r>
+              <a:rPr lang="en-US" sz="700" dirty="0" err="1">
+                <a:latin typeface="Arial" panose="020B0604020202020204" pitchFamily="34" charset="0"/>
+                <a:cs typeface="Arial" panose="020B0604020202020204" pitchFamily="34" charset="0"/>
+              </a:rPr>
+              <a:t>Daceton</a:t>
+            </a:r>
+            <a:r>
+              <a:rPr lang="en-US" sz="700" dirty="0">
+                <a:latin typeface="Arial" panose="020B0604020202020204" pitchFamily="34" charset="0"/>
+                <a:cs typeface="Arial" panose="020B0604020202020204" pitchFamily="34" charset="0"/>
+              </a:rPr>
+              <a:t> &amp;</a:t>
+            </a:r>
+          </a:p>
+        </p:txBody>
+      </p:sp>
+      <p:sp>
+        <p:nvSpPr>
+          <p:cNvPr id="2" name="TextBox 1">
+            <a:extLst>
+              <a:ext uri="{FF2B5EF4-FFF2-40B4-BE49-F238E27FC236}">
+                <a16:creationId xmlns:a16="http://schemas.microsoft.com/office/drawing/2014/main" id="{8DC6166B-A118-EB85-3B17-DCC71CAAC536}"/>
+              </a:ext>
+            </a:extLst>
+          </p:cNvPr>
+          <p:cNvSpPr txBox="1"/>
+          <p:nvPr/>
+        </p:nvSpPr>
+        <p:spPr>
+          <a:xfrm rot="17015233">
+            <a:off x="4589612" y="4936398"/>
+            <a:ext cx="885798" cy="307777"/>
+          </a:xfrm>
+          <a:prstGeom prst="rect">
+            <a:avLst/>
+          </a:prstGeom>
+          <a:noFill/>
+        </p:spPr>
+        <p:txBody>
+          <a:bodyPr wrap="square" rtlCol="0">
+            <a:spAutoFit/>
+          </a:bodyPr>
+          <a:lstStyle/>
+          <a:p>
+            <a:pPr algn="r"/>
+            <a:r>
+              <a:rPr lang="en-US" sz="700" dirty="0">
+                <a:latin typeface="Arial" panose="020B0604020202020204" pitchFamily="34" charset="0"/>
+                <a:cs typeface="Arial" panose="020B0604020202020204" pitchFamily="34" charset="0"/>
+              </a:rPr>
+              <a:t>(including </a:t>
+            </a:r>
+          </a:p>
+          <a:p>
+            <a:pPr algn="r"/>
+            <a:r>
+              <a:rPr lang="en-US" sz="700" dirty="0">
+                <a:latin typeface="Arial" panose="020B0604020202020204" pitchFamily="34" charset="0"/>
+                <a:cs typeface="Arial" panose="020B0604020202020204" pitchFamily="34" charset="0"/>
+              </a:rPr>
+              <a:t>carpenter ants)</a:t>
+            </a:r>
+          </a:p>
+        </p:txBody>
+      </p:sp>
+      <p:sp>
+        <p:nvSpPr>
+          <p:cNvPr id="3" name="TextBox 2">
+            <a:extLst>
+              <a:ext uri="{FF2B5EF4-FFF2-40B4-BE49-F238E27FC236}">
+                <a16:creationId xmlns:a16="http://schemas.microsoft.com/office/drawing/2014/main" id="{A49FA645-88AF-25A2-DF21-4063127955DB}"/>
+              </a:ext>
+            </a:extLst>
+          </p:cNvPr>
+          <p:cNvSpPr txBox="1"/>
+          <p:nvPr/>
+        </p:nvSpPr>
+        <p:spPr>
+          <a:xfrm rot="20657000">
+            <a:off x="6601718" y="2907890"/>
+            <a:ext cx="1333544" cy="200055"/>
+          </a:xfrm>
+          <a:prstGeom prst="rect">
+            <a:avLst/>
+          </a:prstGeom>
+          <a:noFill/>
+        </p:spPr>
+        <p:txBody>
+          <a:bodyPr wrap="square" rtlCol="0">
+            <a:spAutoFit/>
+          </a:bodyPr>
+          <a:lstStyle/>
+          <a:p>
+            <a:r>
+              <a:rPr lang="en-US" sz="700" dirty="0" err="1">
+                <a:latin typeface="Arial" panose="020B0604020202020204" pitchFamily="34" charset="0"/>
+                <a:cs typeface="Arial" panose="020B0604020202020204" pitchFamily="34" charset="0"/>
+              </a:rPr>
+              <a:t>Acromyrmex</a:t>
+            </a:r>
+            <a:r>
+              <a:rPr lang="en-US" sz="700" dirty="0">
+                <a:latin typeface="Arial" panose="020B0604020202020204" pitchFamily="34" charset="0"/>
+                <a:cs typeface="Arial" panose="020B0604020202020204" pitchFamily="34" charset="0"/>
+              </a:rPr>
+              <a:t>)</a:t>
+            </a:r>
+          </a:p>
+        </p:txBody>
+      </p:sp>
+      <p:sp>
+        <p:nvSpPr>
+          <p:cNvPr id="4" name="TextBox 3">
+            <a:extLst>
+              <a:ext uri="{FF2B5EF4-FFF2-40B4-BE49-F238E27FC236}">
+                <a16:creationId xmlns:a16="http://schemas.microsoft.com/office/drawing/2014/main" id="{61CB8F06-7411-E7CA-FC77-B6AD1BA2AB70}"/>
+              </a:ext>
+            </a:extLst>
+          </p:cNvPr>
+          <p:cNvSpPr txBox="1"/>
+          <p:nvPr/>
+        </p:nvSpPr>
+        <p:spPr>
+          <a:xfrm rot="21431965">
+            <a:off x="6640115" y="3247722"/>
+            <a:ext cx="1333544" cy="200055"/>
+          </a:xfrm>
+          <a:prstGeom prst="rect">
+            <a:avLst/>
+          </a:prstGeom>
+          <a:noFill/>
+        </p:spPr>
+        <p:txBody>
+          <a:bodyPr wrap="square" rtlCol="0">
+            <a:spAutoFit/>
+          </a:bodyPr>
+          <a:lstStyle/>
+          <a:p>
+            <a:r>
+              <a:rPr lang="en-US" sz="700" dirty="0" err="1">
+                <a:latin typeface="Arial" panose="020B0604020202020204" pitchFamily="34" charset="0"/>
+                <a:cs typeface="Arial" panose="020B0604020202020204" pitchFamily="34" charset="0"/>
+              </a:rPr>
+              <a:t>Orectognathus</a:t>
+            </a:r>
+            <a:endParaRPr lang="en-US" sz="700" dirty="0">
+              <a:latin typeface="Arial" panose="020B0604020202020204" pitchFamily="34" charset="0"/>
+              <a:cs typeface="Arial" panose="020B0604020202020204" pitchFamily="34" charset="0"/>
+            </a:endParaRPr>
+          </a:p>
+        </p:txBody>
+      </p:sp>
+      <p:pic>
+        <p:nvPicPr>
+          <p:cNvPr id="6" name="Graphic 5">
+            <a:extLst>
+              <a:ext uri="{FF2B5EF4-FFF2-40B4-BE49-F238E27FC236}">
+                <a16:creationId xmlns:a16="http://schemas.microsoft.com/office/drawing/2014/main" id="{7A99CAF2-4287-7E94-8324-0C02E41B9618}"/>
+              </a:ext>
+            </a:extLst>
+          </p:cNvPr>
+          <p:cNvPicPr>
+            <a:picLocks noChangeAspect="1"/>
+          </p:cNvPicPr>
+          <p:nvPr/>
+        </p:nvPicPr>
+        <p:blipFill>
+          <a:blip r:embed="rId16">
+            <a:extLst>
+              <a:ext uri="{96DAC541-7B7A-43D3-8B79-37D633B846F1}">
+                <asvg:svgBlip xmlns:asvg="http://schemas.microsoft.com/office/drawing/2016/SVG/main" r:embed="rId17"/>
+              </a:ext>
+            </a:extLst>
+          </a:blip>
+          <a:stretch>
+            <a:fillRect/>
+          </a:stretch>
+        </p:blipFill>
+        <p:spPr>
+          <a:xfrm flipH="1">
+            <a:off x="2971604" y="4256913"/>
+            <a:ext cx="773055" cy="508589"/>
+          </a:xfrm>
+          <a:prstGeom prst="rect">
+            <a:avLst/>
+          </a:prstGeom>
+        </p:spPr>
+      </p:pic>
+      <p:pic>
+        <p:nvPicPr>
+          <p:cNvPr id="7" name="Graphic 6">
+            <a:extLst>
+              <a:ext uri="{FF2B5EF4-FFF2-40B4-BE49-F238E27FC236}">
+                <a16:creationId xmlns:a16="http://schemas.microsoft.com/office/drawing/2014/main" id="{288FE9E8-29EB-B93C-6AE6-17789A9ADF2E}"/>
+              </a:ext>
+            </a:extLst>
+          </p:cNvPr>
+          <p:cNvPicPr>
+            <a:picLocks noChangeAspect="1"/>
+          </p:cNvPicPr>
+          <p:nvPr/>
+        </p:nvPicPr>
+        <p:blipFill>
+          <a:blip r:embed="rId18">
+            <a:extLst>
+              <a:ext uri="{96DAC541-7B7A-43D3-8B79-37D633B846F1}">
+                <asvg:svgBlip xmlns:asvg="http://schemas.microsoft.com/office/drawing/2016/SVG/main" r:embed="rId19"/>
+              </a:ext>
+            </a:extLst>
+          </a:blip>
+          <a:stretch>
+            <a:fillRect/>
+          </a:stretch>
+        </p:blipFill>
+        <p:spPr>
+          <a:xfrm flipH="1">
+            <a:off x="7317296" y="2712110"/>
+            <a:ext cx="778881" cy="323379"/>
+          </a:xfrm>
+          <a:prstGeom prst="rect">
+            <a:avLst/>
+          </a:prstGeom>
+        </p:spPr>
+      </p:pic>
+      <p:pic>
+        <p:nvPicPr>
+          <p:cNvPr id="9" name="Graphic 8">
+            <a:extLst>
+              <a:ext uri="{FF2B5EF4-FFF2-40B4-BE49-F238E27FC236}">
+                <a16:creationId xmlns:a16="http://schemas.microsoft.com/office/drawing/2014/main" id="{A7AE05B8-A1CA-7A52-8635-5259A7595277}"/>
+              </a:ext>
+            </a:extLst>
+          </p:cNvPr>
+          <p:cNvPicPr>
+            <a:picLocks noChangeAspect="1"/>
+          </p:cNvPicPr>
+          <p:nvPr/>
+        </p:nvPicPr>
+        <p:blipFill>
+          <a:blip r:embed="rId20">
+            <a:extLst>
+              <a:ext uri="{96DAC541-7B7A-43D3-8B79-37D633B846F1}">
+                <asvg:svgBlip xmlns:asvg="http://schemas.microsoft.com/office/drawing/2016/SVG/main" r:embed="rId21"/>
+              </a:ext>
+            </a:extLst>
+          </a:blip>
+          <a:stretch>
+            <a:fillRect/>
+          </a:stretch>
+        </p:blipFill>
+        <p:spPr>
+          <a:xfrm flipH="1">
+            <a:off x="6268122" y="1447258"/>
+            <a:ext cx="877189" cy="575894"/>
+          </a:xfrm>
+          <a:prstGeom prst="rect">
+            <a:avLst/>
+          </a:prstGeom>
+        </p:spPr>
+      </p:pic>
+      <p:sp>
+        <p:nvSpPr>
+          <p:cNvPr id="104" name="TextBox 103">
+            <a:extLst>
+              <a:ext uri="{FF2B5EF4-FFF2-40B4-BE49-F238E27FC236}">
+                <a16:creationId xmlns:a16="http://schemas.microsoft.com/office/drawing/2014/main" id="{14441BBE-E804-2931-AC39-6579D08B2CAC}"/>
+              </a:ext>
+            </a:extLst>
+          </p:cNvPr>
+          <p:cNvSpPr txBox="1"/>
+          <p:nvPr/>
+        </p:nvSpPr>
+        <p:spPr>
+          <a:xfrm rot="19718783">
+            <a:off x="6354205" y="2309304"/>
+            <a:ext cx="1333544" cy="200055"/>
+          </a:xfrm>
+          <a:prstGeom prst="rect">
+            <a:avLst/>
+          </a:prstGeom>
+          <a:noFill/>
+        </p:spPr>
+        <p:txBody>
+          <a:bodyPr wrap="square" rtlCol="0">
+            <a:spAutoFit/>
+          </a:bodyPr>
+          <a:lstStyle/>
+          <a:p>
+            <a:r>
+              <a:rPr lang="en-US" sz="700" dirty="0" err="1">
+                <a:latin typeface="Arial" panose="020B0604020202020204" pitchFamily="34" charset="0"/>
+                <a:cs typeface="Arial" panose="020B0604020202020204" pitchFamily="34" charset="0"/>
+              </a:rPr>
+              <a:t>Strumigenys</a:t>
+            </a:r>
+            <a:endParaRPr lang="en-US" sz="700" dirty="0">
+              <a:latin typeface="Arial" panose="020B0604020202020204" pitchFamily="34" charset="0"/>
+              <a:cs typeface="Arial" panose="020B0604020202020204" pitchFamily="34" charset="0"/>
+            </a:endParaRPr>
+          </a:p>
+        </p:txBody>
+      </p:sp>
+      <p:pic>
+        <p:nvPicPr>
+          <p:cNvPr id="11" name="Graphic 10">
+            <a:extLst>
+              <a:ext uri="{FF2B5EF4-FFF2-40B4-BE49-F238E27FC236}">
+                <a16:creationId xmlns:a16="http://schemas.microsoft.com/office/drawing/2014/main" id="{6431BD83-5D9F-7A93-F3F5-4342F376799C}"/>
+              </a:ext>
+            </a:extLst>
+          </p:cNvPr>
+          <p:cNvPicPr>
+            <a:picLocks noChangeAspect="1"/>
+          </p:cNvPicPr>
+          <p:nvPr/>
+        </p:nvPicPr>
+        <p:blipFill>
+          <a:blip r:embed="rId22">
+            <a:extLst>
+              <a:ext uri="{96DAC541-7B7A-43D3-8B79-37D633B846F1}">
+                <asvg:svgBlip xmlns:asvg="http://schemas.microsoft.com/office/drawing/2016/SVG/main" r:embed="rId23"/>
+              </a:ext>
+            </a:extLst>
+          </a:blip>
+          <a:stretch>
+            <a:fillRect/>
+          </a:stretch>
+        </p:blipFill>
+        <p:spPr>
+          <a:xfrm flipH="1">
+            <a:off x="6577136" y="4926101"/>
+            <a:ext cx="696043" cy="478151"/>
+          </a:xfrm>
+          <a:prstGeom prst="rect">
+            <a:avLst/>
+          </a:prstGeom>
+        </p:spPr>
+      </p:pic>
     </p:spTree>
     <p:extLst>
       <p:ext uri="{BB962C8B-B14F-4D97-AF65-F5344CB8AC3E}">
-        <p14:creationId xmlns:p14="http://schemas.microsoft.com/office/powerpoint/2010/main" val="1822735777"/>
+        <p14:creationId xmlns:p14="http://schemas.microsoft.com/office/powerpoint/2010/main" val="2905979478"/>
       </p:ext>
     </p:extLst>
   </p:cSld>
